--- a/VSLive_LasVegas2023_W19_ArchitectZeroDowntime.pptx
+++ b/VSLive_LasVegas2023_W19_ArchitectZeroDowntime.pptx
@@ -9,10 +9,10 @@
     <p:sldMasterId id="2147483760" r:id="rId5"/>
   </p:sldMasterIdLst>
   <p:notesMasterIdLst>
-    <p:notesMasterId r:id="rId45"/>
+    <p:notesMasterId r:id="rId46"/>
   </p:notesMasterIdLst>
   <p:handoutMasterIdLst>
-    <p:handoutMasterId r:id="rId46"/>
+    <p:handoutMasterId r:id="rId47"/>
   </p:handoutMasterIdLst>
   <p:sldIdLst>
     <p:sldId id="258" r:id="rId6"/>
@@ -52,8 +52,9 @@
     <p:sldId id="369" r:id="rId40"/>
     <p:sldId id="370" r:id="rId41"/>
     <p:sldId id="304" r:id="rId42"/>
-    <p:sldId id="259" r:id="rId43"/>
-    <p:sldId id="382" r:id="rId44"/>
+    <p:sldId id="385" r:id="rId43"/>
+    <p:sldId id="259" r:id="rId44"/>
+    <p:sldId id="382" r:id="rId45"/>
   </p:sldIdLst>
   <p:sldSz cx="9144000" cy="5143500" type="screen16x9"/>
   <p:notesSz cx="6858000" cy="9144000"/>
@@ -918,7 +919,7 @@
           <a:p>
             <a:fld id="{D088F999-7A4E-6B4F-9FED-EF75B73AD044}" type="datetimeFigureOut">
               <a:rPr lang="en-US" smtClean="0"/>
-              <a:t>3/9/2023</a:t>
+              <a:t>3/22/2023</a:t>
             </a:fld>
             <a:endParaRPr lang="en-US"/>
           </a:p>
@@ -1086,7 +1087,7 @@
           <a:p>
             <a:fld id="{D088F999-7A4E-6B4F-9FED-EF75B73AD044}" type="datetimeFigureOut">
               <a:rPr lang="en-US" smtClean="0"/>
-              <a:t>3/9/2023</a:t>
+              <a:t>3/22/2023</a:t>
             </a:fld>
             <a:endParaRPr lang="en-US"/>
           </a:p>
@@ -1264,7 +1265,7 @@
           <a:p>
             <a:fld id="{D088F999-7A4E-6B4F-9FED-EF75B73AD044}" type="datetimeFigureOut">
               <a:rPr lang="en-US" smtClean="0"/>
-              <a:t>3/9/2023</a:t>
+              <a:t>3/22/2023</a:t>
             </a:fld>
             <a:endParaRPr lang="en-US"/>
           </a:p>
@@ -1504,7 +1505,7 @@
             <a:fld id="{3FE51E94-D08C-431E-88FC-7EB62E529A19}" type="datetimeFigureOut">
               <a:rPr lang="en-US" smtClean="0"/>
               <a:pPr/>
-              <a:t>3/9/2023</a:t>
+              <a:t>3/22/2023</a:t>
             </a:fld>
             <a:endParaRPr lang="en-US"/>
           </a:p>
@@ -1674,7 +1675,7 @@
             <a:fld id="{3FE51E94-D08C-431E-88FC-7EB62E529A19}" type="datetimeFigureOut">
               <a:rPr lang="en-US" smtClean="0"/>
               <a:pPr/>
-              <a:t>3/9/2023</a:t>
+              <a:t>3/22/2023</a:t>
             </a:fld>
             <a:endParaRPr lang="en-US"/>
           </a:p>
@@ -1921,7 +1922,7 @@
             <a:fld id="{3FE51E94-D08C-431E-88FC-7EB62E529A19}" type="datetimeFigureOut">
               <a:rPr lang="en-US" smtClean="0"/>
               <a:pPr/>
-              <a:t>3/9/2023</a:t>
+              <a:t>3/22/2023</a:t>
             </a:fld>
             <a:endParaRPr lang="en-US"/>
           </a:p>
@@ -2208,7 +2209,7 @@
             <a:fld id="{3FE51E94-D08C-431E-88FC-7EB62E529A19}" type="datetimeFigureOut">
               <a:rPr lang="en-US" smtClean="0"/>
               <a:pPr/>
-              <a:t>3/9/2023</a:t>
+              <a:t>3/22/2023</a:t>
             </a:fld>
             <a:endParaRPr lang="en-US"/>
           </a:p>
@@ -2634,7 +2635,7 @@
             <a:fld id="{3FE51E94-D08C-431E-88FC-7EB62E529A19}" type="datetimeFigureOut">
               <a:rPr lang="en-US" smtClean="0"/>
               <a:pPr/>
-              <a:t>3/9/2023</a:t>
+              <a:t>3/22/2023</a:t>
             </a:fld>
             <a:endParaRPr lang="en-US"/>
           </a:p>
@@ -2753,7 +2754,7 @@
             <a:fld id="{3FE51E94-D08C-431E-88FC-7EB62E529A19}" type="datetimeFigureOut">
               <a:rPr lang="en-US" smtClean="0"/>
               <a:pPr/>
-              <a:t>3/9/2023</a:t>
+              <a:t>3/22/2023</a:t>
             </a:fld>
             <a:endParaRPr lang="en-US"/>
           </a:p>
@@ -2850,7 +2851,7 @@
             <a:fld id="{3FE51E94-D08C-431E-88FC-7EB62E529A19}" type="datetimeFigureOut">
               <a:rPr lang="en-US" smtClean="0"/>
               <a:pPr/>
-              <a:t>3/9/2023</a:t>
+              <a:t>3/22/2023</a:t>
             </a:fld>
             <a:endParaRPr lang="en-US"/>
           </a:p>
@@ -3127,7 +3128,7 @@
             <a:fld id="{3FE51E94-D08C-431E-88FC-7EB62E529A19}" type="datetimeFigureOut">
               <a:rPr lang="en-US" smtClean="0"/>
               <a:pPr/>
-              <a:t>3/9/2023</a:t>
+              <a:t>3/22/2023</a:t>
             </a:fld>
             <a:endParaRPr lang="en-US"/>
           </a:p>
@@ -3296,7 +3297,7 @@
           <a:p>
             <a:fld id="{D088F999-7A4E-6B4F-9FED-EF75B73AD044}" type="datetimeFigureOut">
               <a:rPr lang="en-US" smtClean="0"/>
-              <a:t>3/9/2023</a:t>
+              <a:t>3/22/2023</a:t>
             </a:fld>
             <a:endParaRPr lang="en-US"/>
           </a:p>
@@ -3552,7 +3553,7 @@
             <a:fld id="{3FE51E94-D08C-431E-88FC-7EB62E529A19}" type="datetimeFigureOut">
               <a:rPr lang="en-US" smtClean="0"/>
               <a:pPr/>
-              <a:t>3/9/2023</a:t>
+              <a:t>3/22/2023</a:t>
             </a:fld>
             <a:endParaRPr lang="en-US"/>
           </a:p>
@@ -3722,7 +3723,7 @@
             <a:fld id="{3FE51E94-D08C-431E-88FC-7EB62E529A19}" type="datetimeFigureOut">
               <a:rPr lang="en-US" smtClean="0"/>
               <a:pPr/>
-              <a:t>3/9/2023</a:t>
+              <a:t>3/22/2023</a:t>
             </a:fld>
             <a:endParaRPr lang="en-US"/>
           </a:p>
@@ -3902,7 +3903,7 @@
             <a:fld id="{3FE51E94-D08C-431E-88FC-7EB62E529A19}" type="datetimeFigureOut">
               <a:rPr lang="en-US" smtClean="0"/>
               <a:pPr/>
-              <a:t>3/9/2023</a:t>
+              <a:t>3/22/2023</a:t>
             </a:fld>
             <a:endParaRPr lang="en-US"/>
           </a:p>
@@ -4199,7 +4200,7 @@
           <a:p>
             <a:fld id="{D088F999-7A4E-6B4F-9FED-EF75B73AD044}" type="datetimeFigureOut">
               <a:rPr lang="en-US" smtClean="0"/>
-              <a:t>3/9/2023</a:t>
+              <a:t>3/22/2023</a:t>
             </a:fld>
             <a:endParaRPr lang="en-US"/>
           </a:p>
@@ -4367,7 +4368,7 @@
           <a:p>
             <a:fld id="{D088F999-7A4E-6B4F-9FED-EF75B73AD044}" type="datetimeFigureOut">
               <a:rPr lang="en-US" smtClean="0"/>
-              <a:t>3/9/2023</a:t>
+              <a:t>3/22/2023</a:t>
             </a:fld>
             <a:endParaRPr lang="en-US"/>
           </a:p>
@@ -4612,7 +4613,7 @@
           <a:p>
             <a:fld id="{D088F999-7A4E-6B4F-9FED-EF75B73AD044}" type="datetimeFigureOut">
               <a:rPr lang="en-US" smtClean="0"/>
-              <a:t>3/9/2023</a:t>
+              <a:t>3/22/2023</a:t>
             </a:fld>
             <a:endParaRPr lang="en-US"/>
           </a:p>
@@ -4897,7 +4898,7 @@
           <a:p>
             <a:fld id="{D088F999-7A4E-6B4F-9FED-EF75B73AD044}" type="datetimeFigureOut">
               <a:rPr lang="en-US" smtClean="0"/>
-              <a:t>3/9/2023</a:t>
+              <a:t>3/22/2023</a:t>
             </a:fld>
             <a:endParaRPr lang="en-US"/>
           </a:p>
@@ -5316,7 +5317,7 @@
           <a:p>
             <a:fld id="{D088F999-7A4E-6B4F-9FED-EF75B73AD044}" type="datetimeFigureOut">
               <a:rPr lang="en-US" smtClean="0"/>
-              <a:t>3/9/2023</a:t>
+              <a:t>3/22/2023</a:t>
             </a:fld>
             <a:endParaRPr lang="en-US"/>
           </a:p>
@@ -5433,7 +5434,7 @@
           <a:p>
             <a:fld id="{D088F999-7A4E-6B4F-9FED-EF75B73AD044}" type="datetimeFigureOut">
               <a:rPr lang="en-US" smtClean="0"/>
-              <a:t>3/9/2023</a:t>
+              <a:t>3/22/2023</a:t>
             </a:fld>
             <a:endParaRPr lang="en-US"/>
           </a:p>
@@ -5678,7 +5679,7 @@
           <a:p>
             <a:fld id="{D088F999-7A4E-6B4F-9FED-EF75B73AD044}" type="datetimeFigureOut">
               <a:rPr lang="en-US" smtClean="0"/>
-              <a:t>3/9/2023</a:t>
+              <a:t>3/22/2023</a:t>
             </a:fld>
             <a:endParaRPr lang="en-US"/>
           </a:p>
@@ -5773,7 +5774,7 @@
           <a:p>
             <a:fld id="{D088F999-7A4E-6B4F-9FED-EF75B73AD044}" type="datetimeFigureOut">
               <a:rPr lang="en-US" smtClean="0"/>
-              <a:t>3/9/2023</a:t>
+              <a:t>3/22/2023</a:t>
             </a:fld>
             <a:endParaRPr lang="en-US"/>
           </a:p>
@@ -6048,7 +6049,7 @@
           <a:p>
             <a:fld id="{D088F999-7A4E-6B4F-9FED-EF75B73AD044}" type="datetimeFigureOut">
               <a:rPr lang="en-US" smtClean="0"/>
-              <a:t>3/9/2023</a:t>
+              <a:t>3/22/2023</a:t>
             </a:fld>
             <a:endParaRPr lang="en-US"/>
           </a:p>
@@ -6303,7 +6304,7 @@
           <a:p>
             <a:fld id="{D088F999-7A4E-6B4F-9FED-EF75B73AD044}" type="datetimeFigureOut">
               <a:rPr lang="en-US" smtClean="0"/>
-              <a:t>3/9/2023</a:t>
+              <a:t>3/22/2023</a:t>
             </a:fld>
             <a:endParaRPr lang="en-US"/>
           </a:p>
@@ -6471,7 +6472,7 @@
           <a:p>
             <a:fld id="{D088F999-7A4E-6B4F-9FED-EF75B73AD044}" type="datetimeFigureOut">
               <a:rPr lang="en-US" smtClean="0"/>
-              <a:t>3/9/2023</a:t>
+              <a:t>3/22/2023</a:t>
             </a:fld>
             <a:endParaRPr lang="en-US"/>
           </a:p>
@@ -6649,7 +6650,7 @@
           <a:p>
             <a:fld id="{D088F999-7A4E-6B4F-9FED-EF75B73AD044}" type="datetimeFigureOut">
               <a:rPr lang="en-US" smtClean="0"/>
-              <a:t>3/9/2023</a:t>
+              <a:t>3/22/2023</a:t>
             </a:fld>
             <a:endParaRPr lang="en-US"/>
           </a:p>
@@ -6890,7 +6891,7 @@
             <a:fld id="{3FE51E94-D08C-431E-88FC-7EB62E529A19}" type="datetimeFigureOut">
               <a:rPr lang="en-US" smtClean="0"/>
               <a:pPr/>
-              <a:t>3/9/2023</a:t>
+              <a:t>3/22/2023</a:t>
             </a:fld>
             <a:endParaRPr lang="en-US"/>
           </a:p>
@@ -7060,7 +7061,7 @@
             <a:fld id="{3FE51E94-D08C-431E-88FC-7EB62E529A19}" type="datetimeFigureOut">
               <a:rPr lang="en-US" smtClean="0"/>
               <a:pPr/>
-              <a:t>3/9/2023</a:t>
+              <a:t>3/22/2023</a:t>
             </a:fld>
             <a:endParaRPr lang="en-US"/>
           </a:p>
@@ -7307,7 +7308,7 @@
             <a:fld id="{3FE51E94-D08C-431E-88FC-7EB62E529A19}" type="datetimeFigureOut">
               <a:rPr lang="en-US" smtClean="0"/>
               <a:pPr/>
-              <a:t>3/9/2023</a:t>
+              <a:t>3/22/2023</a:t>
             </a:fld>
             <a:endParaRPr lang="en-US"/>
           </a:p>
@@ -7594,7 +7595,7 @@
             <a:fld id="{3FE51E94-D08C-431E-88FC-7EB62E529A19}" type="datetimeFigureOut">
               <a:rPr lang="en-US" smtClean="0"/>
               <a:pPr/>
-              <a:t>3/9/2023</a:t>
+              <a:t>3/22/2023</a:t>
             </a:fld>
             <a:endParaRPr lang="en-US"/>
           </a:p>
@@ -8015,7 +8016,7 @@
             <a:fld id="{3FE51E94-D08C-431E-88FC-7EB62E529A19}" type="datetimeFigureOut">
               <a:rPr lang="en-US" smtClean="0"/>
               <a:pPr/>
-              <a:t>3/9/2023</a:t>
+              <a:t>3/22/2023</a:t>
             </a:fld>
             <a:endParaRPr lang="en-US"/>
           </a:p>
@@ -8301,7 +8302,7 @@
           <a:p>
             <a:fld id="{D088F999-7A4E-6B4F-9FED-EF75B73AD044}" type="datetimeFigureOut">
               <a:rPr lang="en-US" smtClean="0"/>
-              <a:t>3/9/2023</a:t>
+              <a:t>3/22/2023</a:t>
             </a:fld>
             <a:endParaRPr lang="en-US"/>
           </a:p>
@@ -8419,7 +8420,7 @@
             <a:fld id="{3FE51E94-D08C-431E-88FC-7EB62E529A19}" type="datetimeFigureOut">
               <a:rPr lang="en-US" smtClean="0"/>
               <a:pPr/>
-              <a:t>3/9/2023</a:t>
+              <a:t>3/22/2023</a:t>
             </a:fld>
             <a:endParaRPr lang="en-US"/>
           </a:p>
@@ -8516,7 +8517,7 @@
             <a:fld id="{3FE51E94-D08C-431E-88FC-7EB62E529A19}" type="datetimeFigureOut">
               <a:rPr lang="en-US" smtClean="0"/>
               <a:pPr/>
-              <a:t>3/9/2023</a:t>
+              <a:t>3/22/2023</a:t>
             </a:fld>
             <a:endParaRPr lang="en-US"/>
           </a:p>
@@ -8793,7 +8794,7 @@
             <a:fld id="{3FE51E94-D08C-431E-88FC-7EB62E529A19}" type="datetimeFigureOut">
               <a:rPr lang="en-US" smtClean="0"/>
               <a:pPr/>
-              <a:t>3/9/2023</a:t>
+              <a:t>3/22/2023</a:t>
             </a:fld>
             <a:endParaRPr lang="en-US"/>
           </a:p>
@@ -9050,7 +9051,7 @@
             <a:fld id="{3FE51E94-D08C-431E-88FC-7EB62E529A19}" type="datetimeFigureOut">
               <a:rPr lang="en-US" smtClean="0"/>
               <a:pPr/>
-              <a:t>3/9/2023</a:t>
+              <a:t>3/22/2023</a:t>
             </a:fld>
             <a:endParaRPr lang="en-US"/>
           </a:p>
@@ -9220,7 +9221,7 @@
             <a:fld id="{3FE51E94-D08C-431E-88FC-7EB62E529A19}" type="datetimeFigureOut">
               <a:rPr lang="en-US" smtClean="0"/>
               <a:pPr/>
-              <a:t>3/9/2023</a:t>
+              <a:t>3/22/2023</a:t>
             </a:fld>
             <a:endParaRPr lang="en-US"/>
           </a:p>
@@ -9400,7 +9401,7 @@
             <a:fld id="{3FE51E94-D08C-431E-88FC-7EB62E529A19}" type="datetimeFigureOut">
               <a:rPr lang="en-US" smtClean="0"/>
               <a:pPr/>
-              <a:t>3/9/2023</a:t>
+              <a:t>3/22/2023</a:t>
             </a:fld>
             <a:endParaRPr lang="en-US"/>
           </a:p>
@@ -9656,7 +9657,7 @@
             <a:fld id="{3FE51E94-D08C-431E-88FC-7EB62E529A19}" type="datetimeFigureOut">
               <a:rPr lang="en-US" smtClean="0"/>
               <a:pPr/>
-              <a:t>3/9/2023</a:t>
+              <a:t>3/22/2023</a:t>
             </a:fld>
             <a:endParaRPr lang="en-US"/>
           </a:p>
@@ -9826,7 +9827,7 @@
             <a:fld id="{3FE51E94-D08C-431E-88FC-7EB62E529A19}" type="datetimeFigureOut">
               <a:rPr lang="en-US" smtClean="0"/>
               <a:pPr/>
-              <a:t>3/9/2023</a:t>
+              <a:t>3/22/2023</a:t>
             </a:fld>
             <a:endParaRPr lang="en-US"/>
           </a:p>
@@ -10073,7 +10074,7 @@
             <a:fld id="{3FE51E94-D08C-431E-88FC-7EB62E529A19}" type="datetimeFigureOut">
               <a:rPr lang="en-US" smtClean="0"/>
               <a:pPr/>
-              <a:t>3/9/2023</a:t>
+              <a:t>3/22/2023</a:t>
             </a:fld>
             <a:endParaRPr lang="en-US"/>
           </a:p>
@@ -10360,7 +10361,7 @@
             <a:fld id="{3FE51E94-D08C-431E-88FC-7EB62E529A19}" type="datetimeFigureOut">
               <a:rPr lang="en-US" smtClean="0"/>
               <a:pPr/>
-              <a:t>3/9/2023</a:t>
+              <a:t>3/22/2023</a:t>
             </a:fld>
             <a:endParaRPr lang="en-US"/>
           </a:p>
@@ -10780,7 +10781,7 @@
           <a:p>
             <a:fld id="{D088F999-7A4E-6B4F-9FED-EF75B73AD044}" type="datetimeFigureOut">
               <a:rPr lang="en-US" smtClean="0"/>
-              <a:t>3/9/2023</a:t>
+              <a:t>3/22/2023</a:t>
             </a:fld>
             <a:endParaRPr lang="en-US"/>
           </a:p>
@@ -11200,7 +11201,7 @@
             <a:fld id="{3FE51E94-D08C-431E-88FC-7EB62E529A19}" type="datetimeFigureOut">
               <a:rPr lang="en-US" smtClean="0"/>
               <a:pPr/>
-              <a:t>3/9/2023</a:t>
+              <a:t>3/22/2023</a:t>
             </a:fld>
             <a:endParaRPr lang="en-US"/>
           </a:p>
@@ -11319,7 +11320,7 @@
             <a:fld id="{3FE51E94-D08C-431E-88FC-7EB62E529A19}" type="datetimeFigureOut">
               <a:rPr lang="en-US" smtClean="0"/>
               <a:pPr/>
-              <a:t>3/9/2023</a:t>
+              <a:t>3/22/2023</a:t>
             </a:fld>
             <a:endParaRPr lang="en-US"/>
           </a:p>
@@ -11416,7 +11417,7 @@
             <a:fld id="{3FE51E94-D08C-431E-88FC-7EB62E529A19}" type="datetimeFigureOut">
               <a:rPr lang="en-US" smtClean="0"/>
               <a:pPr/>
-              <a:t>3/9/2023</a:t>
+              <a:t>3/22/2023</a:t>
             </a:fld>
             <a:endParaRPr lang="en-US"/>
           </a:p>
@@ -11693,7 +11694,7 @@
             <a:fld id="{3FE51E94-D08C-431E-88FC-7EB62E529A19}" type="datetimeFigureOut">
               <a:rPr lang="en-US" smtClean="0"/>
               <a:pPr/>
-              <a:t>3/9/2023</a:t>
+              <a:t>3/22/2023</a:t>
             </a:fld>
             <a:endParaRPr lang="en-US"/>
           </a:p>
@@ -11950,7 +11951,7 @@
             <a:fld id="{3FE51E94-D08C-431E-88FC-7EB62E529A19}" type="datetimeFigureOut">
               <a:rPr lang="en-US" smtClean="0"/>
               <a:pPr/>
-              <a:t>3/9/2023</a:t>
+              <a:t>3/22/2023</a:t>
             </a:fld>
             <a:endParaRPr lang="en-US"/>
           </a:p>
@@ -12120,7 +12121,7 @@
             <a:fld id="{3FE51E94-D08C-431E-88FC-7EB62E529A19}" type="datetimeFigureOut">
               <a:rPr lang="en-US" smtClean="0"/>
               <a:pPr/>
-              <a:t>3/9/2023</a:t>
+              <a:t>3/22/2023</a:t>
             </a:fld>
             <a:endParaRPr lang="en-US"/>
           </a:p>
@@ -12300,7 +12301,7 @@
             <a:fld id="{3FE51E94-D08C-431E-88FC-7EB62E529A19}" type="datetimeFigureOut">
               <a:rPr lang="en-US" smtClean="0"/>
               <a:pPr/>
-              <a:t>3/9/2023</a:t>
+              <a:t>3/22/2023</a:t>
             </a:fld>
             <a:endParaRPr lang="en-US"/>
           </a:p>
@@ -12418,7 +12419,7 @@
           <a:p>
             <a:fld id="{D088F999-7A4E-6B4F-9FED-EF75B73AD044}" type="datetimeFigureOut">
               <a:rPr lang="en-US" smtClean="0"/>
-              <a:t>3/9/2023</a:t>
+              <a:t>3/22/2023</a:t>
             </a:fld>
             <a:endParaRPr lang="en-US"/>
           </a:p>
@@ -12513,7 +12514,7 @@
           <a:p>
             <a:fld id="{D088F999-7A4E-6B4F-9FED-EF75B73AD044}" type="datetimeFigureOut">
               <a:rPr lang="en-US" smtClean="0"/>
-              <a:t>3/9/2023</a:t>
+              <a:t>3/22/2023</a:t>
             </a:fld>
             <a:endParaRPr lang="en-US"/>
           </a:p>
@@ -12788,7 +12789,7 @@
           <a:p>
             <a:fld id="{D088F999-7A4E-6B4F-9FED-EF75B73AD044}" type="datetimeFigureOut">
               <a:rPr lang="en-US" smtClean="0"/>
-              <a:t>3/9/2023</a:t>
+              <a:t>3/22/2023</a:t>
             </a:fld>
             <a:endParaRPr lang="en-US"/>
           </a:p>
@@ -13040,7 +13041,7 @@
           <a:p>
             <a:fld id="{D088F999-7A4E-6B4F-9FED-EF75B73AD044}" type="datetimeFigureOut">
               <a:rPr lang="en-US" smtClean="0"/>
-              <a:t>3/9/2023</a:t>
+              <a:t>3/22/2023</a:t>
             </a:fld>
             <a:endParaRPr lang="en-US"/>
           </a:p>
@@ -13260,7 +13261,7 @@
           <a:p>
             <a:fld id="{D088F999-7A4E-6B4F-9FED-EF75B73AD044}" type="datetimeFigureOut">
               <a:rPr lang="en-US" smtClean="0"/>
-              <a:t>3/9/2023</a:t>
+              <a:t>3/22/2023</a:t>
             </a:fld>
             <a:endParaRPr lang="en-US"/>
           </a:p>
@@ -13780,7 +13781,7 @@
             <a:fld id="{3FE51E94-D08C-431E-88FC-7EB62E529A19}" type="datetimeFigureOut">
               <a:rPr lang="en-US" smtClean="0"/>
               <a:pPr/>
-              <a:t>3/9/2023</a:t>
+              <a:t>3/22/2023</a:t>
             </a:fld>
             <a:endParaRPr lang="en-US"/>
           </a:p>
@@ -14299,7 +14300,7 @@
           <a:p>
             <a:fld id="{D088F999-7A4E-6B4F-9FED-EF75B73AD044}" type="datetimeFigureOut">
               <a:rPr lang="en-US" smtClean="0"/>
-              <a:t>3/9/2023</a:t>
+              <a:t>3/22/2023</a:t>
             </a:fld>
             <a:endParaRPr lang="en-US"/>
           </a:p>
@@ -14816,7 +14817,7 @@
           <a:p>
             <a:fld id="{D088F999-7A4E-6B4F-9FED-EF75B73AD044}" type="datetimeFigureOut">
               <a:rPr lang="en-US" smtClean="0"/>
-              <a:t>3/9/2023</a:t>
+              <a:t>3/22/2023</a:t>
             </a:fld>
             <a:endParaRPr lang="en-US"/>
           </a:p>
@@ -15333,7 +15334,7 @@
           <a:p>
             <a:fld id="{D088F999-7A4E-6B4F-9FED-EF75B73AD044}" type="datetimeFigureOut">
               <a:rPr lang="en-US" smtClean="0"/>
-              <a:t>3/9/2023</a:t>
+              <a:t>3/22/2023</a:t>
             </a:fld>
             <a:endParaRPr lang="en-US"/>
           </a:p>
@@ -16364,7 +16365,7 @@
         </p:spPr>
         <p:txBody>
           <a:bodyPr>
-            <a:normAutofit/>
+            <a:normAutofit fontScale="92500"/>
           </a:bodyPr>
           <a:lstStyle/>
           <a:p>
@@ -16376,7 +16377,7 @@
               <a:buChar char="o"/>
             </a:pPr>
             <a:r>
-              <a:rPr lang="en-GB" sz="1600" dirty="0">
+              <a:rPr lang="en-GB" sz="2400" dirty="0">
                 <a:solidFill>
                   <a:schemeClr val="bg2">
                     <a:lumMod val="10000"/>
@@ -16397,7 +16398,7 @@
               <a:buChar char="o"/>
             </a:pPr>
             <a:r>
-              <a:rPr lang="en-GB" sz="1600" dirty="0">
+              <a:rPr lang="en-GB" sz="2400" dirty="0">
                 <a:solidFill>
                   <a:schemeClr val="bg2">
                     <a:lumMod val="10000"/>
@@ -16418,7 +16419,7 @@
               <a:buChar char="o"/>
             </a:pPr>
             <a:r>
-              <a:rPr lang="en-GB" sz="1600" dirty="0">
+              <a:rPr lang="en-GB" sz="2400" dirty="0">
                 <a:solidFill>
                   <a:schemeClr val="bg2">
                     <a:lumMod val="10000"/>
@@ -16439,7 +16440,7 @@
               <a:buChar char="o"/>
             </a:pPr>
             <a:r>
-              <a:rPr lang="en-GB" sz="1600" dirty="0">
+              <a:rPr lang="en-GB" sz="2400" dirty="0">
                 <a:solidFill>
                   <a:schemeClr val="bg2">
                     <a:lumMod val="10000"/>
@@ -16460,7 +16461,7 @@
               <a:buChar char="o"/>
             </a:pPr>
             <a:r>
-              <a:rPr lang="en-GB" sz="1600" dirty="0">
+              <a:rPr lang="en-GB" sz="2400" dirty="0">
                 <a:solidFill>
                   <a:schemeClr val="bg2">
                     <a:lumMod val="10000"/>
@@ -16541,7 +16542,7 @@
         <p:spPr/>
         <p:txBody>
           <a:bodyPr>
-            <a:normAutofit fontScale="92500"/>
+            <a:normAutofit/>
           </a:bodyPr>
           <a:lstStyle/>
           <a:p>
@@ -16553,7 +16554,7 @@
               <a:buChar char="o"/>
             </a:pPr>
             <a:r>
-              <a:rPr lang="en-GB" sz="2100" dirty="0">
+              <a:rPr lang="en-GB" sz="2000" dirty="0">
                 <a:solidFill>
                   <a:schemeClr val="bg2">
                     <a:lumMod val="10000"/>
@@ -16574,7 +16575,7 @@
               <a:buChar char="o"/>
             </a:pPr>
             <a:r>
-              <a:rPr lang="en-GB" sz="2100" dirty="0">
+              <a:rPr lang="en-GB" sz="2000" dirty="0">
                 <a:solidFill>
                   <a:schemeClr val="bg2">
                     <a:lumMod val="10000"/>
@@ -16595,7 +16596,7 @@
               <a:buChar char="o"/>
             </a:pPr>
             <a:r>
-              <a:rPr lang="en-US" sz="2100" dirty="0">
+              <a:rPr lang="en-US" sz="2000" dirty="0">
                 <a:solidFill>
                   <a:srgbClr val="444444"/>
                 </a:solidFill>
@@ -16614,7 +16615,7 @@
               <a:buChar char="o"/>
             </a:pPr>
             <a:r>
-              <a:rPr lang="en-GB" sz="2100" dirty="0">
+              <a:rPr lang="en-GB" sz="2000" dirty="0">
                 <a:solidFill>
                   <a:schemeClr val="bg2">
                     <a:lumMod val="10000"/>
@@ -16635,7 +16636,7 @@
               <a:buChar char="o"/>
             </a:pPr>
             <a:r>
-              <a:rPr lang="en-GB" sz="2100" dirty="0">
+              <a:rPr lang="en-GB" sz="2000" dirty="0">
                 <a:solidFill>
                   <a:schemeClr val="bg2">
                     <a:lumMod val="10000"/>
@@ -17312,20 +17313,33 @@
           <a:lstStyle/>
           <a:p>
             <a:r>
-              <a:rPr lang="en-US" dirty="0"/>
+              <a:rPr lang="en-US" sz="2800" dirty="0"/>
               <a:t>The process is similar for splitting tables</a:t>
             </a:r>
           </a:p>
           <a:p>
             <a:r>
-              <a:rPr lang="en-US" dirty="0"/>
+              <a:rPr lang="en-US" sz="2800" dirty="0"/>
               <a:t>Add a new table, use triggers to sync data</a:t>
             </a:r>
           </a:p>
           <a:p>
-            <a:r>
-              <a:rPr lang="en-US" dirty="0"/>
+            <a:pPr lvl="1"/>
+            <a:r>
+              <a:rPr lang="en-US" sz="2400" dirty="0"/>
+              <a:t>Only columns being moved</a:t>
+            </a:r>
+          </a:p>
+          <a:p>
+            <a:r>
+              <a:rPr lang="en-US" sz="2800" dirty="0"/>
               <a:t>Remove the columns from the original table later</a:t>
+            </a:r>
+          </a:p>
+          <a:p>
+            <a:r>
+              <a:rPr lang="en-US" sz="2800" dirty="0"/>
+              <a:t>Coordinate with apps to ensure feature toggles all flip</a:t>
             </a:r>
           </a:p>
         </p:txBody>
@@ -17400,40 +17414,47 @@
           <a:lstStyle/>
           <a:p>
             <a:r>
-              <a:rPr lang="en-US" dirty="0"/>
+              <a:rPr lang="en-US" sz="2800" dirty="0"/>
               <a:t>A merge is the reverse of a split</a:t>
             </a:r>
           </a:p>
           <a:p>
             <a:r>
-              <a:rPr lang="en-US" dirty="0"/>
+              <a:rPr lang="en-US" sz="2800" dirty="0"/>
               <a:t>Can be table or column level</a:t>
             </a:r>
           </a:p>
           <a:p>
             <a:r>
-              <a:rPr lang="en-US" dirty="0"/>
+              <a:rPr lang="en-US" sz="2800" dirty="0"/>
               <a:t>Similar process</a:t>
             </a:r>
           </a:p>
           <a:p>
             <a:pPr lvl="1"/>
             <a:r>
-              <a:rPr lang="en-US" dirty="0"/>
+              <a:rPr lang="en-US" sz="2000" dirty="0"/>
+              <a:t>New storage location</a:t>
+            </a:r>
+          </a:p>
+          <a:p>
+            <a:pPr lvl="1"/>
+            <a:r>
+              <a:rPr lang="en-US" sz="2000" dirty="0"/>
               <a:t>Merge data</a:t>
             </a:r>
           </a:p>
           <a:p>
             <a:pPr lvl="1"/>
             <a:r>
-              <a:rPr lang="en-US" dirty="0"/>
+              <a:rPr lang="en-US" sz="2000" dirty="0"/>
               <a:t>If possible, keep the original values</a:t>
             </a:r>
           </a:p>
           <a:p>
             <a:pPr lvl="1"/>
             <a:r>
-              <a:rPr lang="en-US" dirty="0"/>
+              <a:rPr lang="en-US" sz="2000" dirty="0"/>
               <a:t>Drops occur later</a:t>
             </a:r>
           </a:p>
@@ -18449,10 +18470,15 @@
             <p:ph idx="1"/>
           </p:nvPr>
         </p:nvSpPr>
-        <p:spPr/>
+        <p:spPr>
+          <a:xfrm>
+            <a:off x="457200" y="1123950"/>
+            <a:ext cx="8229600" cy="3394075"/>
+          </a:xfrm>
+        </p:spPr>
         <p:txBody>
           <a:bodyPr>
-            <a:normAutofit fontScale="77500" lnSpcReduction="20000"/>
+            <a:normAutofit fontScale="62500" lnSpcReduction="20000"/>
           </a:bodyPr>
           <a:lstStyle/>
           <a:p>
@@ -18462,9 +18488,17 @@
             </a:r>
           </a:p>
           <a:p>
+            <a:pPr lvl="1"/>
             <a:r>
               <a:rPr lang="en-US" dirty="0"/>
-              <a:t>Test this to verify the code is correct</a:t>
+              <a:t>Coordination with app is hard</a:t>
+            </a:r>
+          </a:p>
+          <a:p>
+            <a:pPr lvl="1"/>
+            <a:r>
+              <a:rPr lang="en-US" dirty="0"/>
+              <a:t>NOT Zero downtime usually</a:t>
             </a:r>
           </a:p>
           <a:p>
@@ -18487,13 +18521,8 @@
             <a:pPr lvl="1"/>
             <a:r>
               <a:rPr lang="en-US" dirty="0"/>
-              <a:t>Only if you are sure all apps have </a:t>
-            </a:r>
-            <a:r>
-              <a:rPr lang="en-US" dirty="0" err="1"/>
-              <a:t>rev’d</a:t>
-            </a:r>
-            <a:endParaRPr lang="en-US" dirty="0"/>
+              <a:t>Only if you are sure all apps can rev</a:t>
+            </a:r>
           </a:p>
           <a:p>
             <a:pPr lvl="1"/>
@@ -18512,7 +18541,14 @@
             <a:pPr lvl="1"/>
             <a:r>
               <a:rPr lang="en-US" dirty="0"/>
-              <a:t>adding a new column/view</a:t>
+              <a:t>Adding a new column/view</a:t>
+            </a:r>
+          </a:p>
+          <a:p>
+            <a:pPr lvl="1"/>
+            <a:r>
+              <a:rPr lang="en-US" dirty="0"/>
+              <a:t>Flip feature toggle in apps</a:t>
             </a:r>
           </a:p>
           <a:p>
@@ -18523,11 +18559,11 @@
             </a:r>
             <a:r>
               <a:rPr lang="en-US" dirty="0" err="1"/>
-              <a:t>Xevents</a:t>
+              <a:t>xEvents</a:t>
             </a:r>
             <a:r>
               <a:rPr lang="en-US" dirty="0"/>
-              <a:t> to check access to the old name</a:t>
+              <a:t> to check access to the old name (maybe)</a:t>
             </a:r>
           </a:p>
           <a:p>
@@ -18770,14 +18806,14 @@
           </a:ln>
           <a:extLst>
             <a:ext uri="{909E8E84-426E-40dd-AFC4-6F175D3DCCD1}">
-              <a14:hiddenFill xmlns:a14="http://schemas.microsoft.com/office/drawing/2010/main" xmlns="">
+              <a14:hiddenFill xmlns="" xmlns:a14="http://schemas.microsoft.com/office/drawing/2010/main">
                 <a:solidFill>
                   <a:srgbClr val="FFFFFF"/>
                 </a:solidFill>
               </a14:hiddenFill>
             </a:ext>
             <a:ext uri="{91240B29-F687-4f45-9708-019B960494DF}">
-              <a14:hiddenLine xmlns:a14="http://schemas.microsoft.com/office/drawing/2010/main" xmlns="" w="9525">
+              <a14:hiddenLine xmlns="" xmlns:a14="http://schemas.microsoft.com/office/drawing/2010/main" w="9525">
                 <a:solidFill>
                   <a:srgbClr val="000000"/>
                 </a:solidFill>
@@ -21085,13 +21121,13 @@
         <p:spPr/>
         <p:txBody>
           <a:bodyPr>
-            <a:normAutofit fontScale="85000" lnSpcReduction="20000"/>
+            <a:normAutofit fontScale="62500" lnSpcReduction="20000"/>
           </a:bodyPr>
           <a:lstStyle/>
           <a:p>
             <a:r>
               <a:rPr lang="en-US" dirty="0"/>
-              <a:t>Add in one deployment, remove in another</a:t>
+              <a:t>Add parameter in one deployment, remove in another</a:t>
             </a:r>
           </a:p>
           <a:p>
@@ -21101,6 +21137,27 @@
             </a:r>
           </a:p>
           <a:p>
+            <a:pPr lvl="1"/>
+            <a:r>
+              <a:rPr lang="en-US" dirty="0"/>
+              <a:t>Prefer old</a:t>
+            </a:r>
+          </a:p>
+          <a:p>
+            <a:pPr lvl="1"/>
+            <a:r>
+              <a:rPr lang="en-US" dirty="0"/>
+              <a:t>Prefer new</a:t>
+            </a:r>
+          </a:p>
+          <a:p>
+            <a:pPr lvl="1"/>
+            <a:r>
+              <a:rPr lang="en-US" dirty="0"/>
+              <a:t>New only</a:t>
+            </a:r>
+          </a:p>
+          <a:p>
             <a:r>
               <a:rPr lang="en-US" dirty="0"/>
               <a:t>Verify logical functionality with/without default parameter</a:t>
@@ -21139,6 +21196,13 @@
             <a:r>
               <a:rPr lang="en-US" dirty="0"/>
               <a:t>.</a:t>
+            </a:r>
+          </a:p>
+          <a:p>
+            <a:pPr lvl="1"/>
+            <a:r>
+              <a:rPr lang="en-US" dirty="0"/>
+              <a:t>Provide feedback to app teams</a:t>
             </a:r>
           </a:p>
         </p:txBody>
@@ -21282,7 +21346,7 @@
         <p:spPr/>
         <p:txBody>
           <a:bodyPr>
-            <a:normAutofit fontScale="92500" lnSpcReduction="20000"/>
+            <a:normAutofit fontScale="70000" lnSpcReduction="20000"/>
           </a:bodyPr>
           <a:lstStyle/>
           <a:p>
@@ -21294,7 +21358,28 @@
           <a:p>
             <a:r>
               <a:rPr lang="en-US" dirty="0"/>
-              <a:t>Use column names in reading result sets</a:t>
+              <a:t>Use column names</a:t>
+            </a:r>
+          </a:p>
+          <a:p>
+            <a:pPr lvl="1"/>
+            <a:r>
+              <a:rPr lang="en-US" dirty="0"/>
+              <a:t>Result sets</a:t>
+            </a:r>
+          </a:p>
+          <a:p>
+            <a:pPr lvl="1"/>
+            <a:r>
+              <a:rPr lang="en-US" dirty="0"/>
+              <a:t>SQL code</a:t>
+            </a:r>
+          </a:p>
+          <a:p>
+            <a:pPr lvl="1"/>
+            <a:r>
+              <a:rPr lang="en-US" dirty="0"/>
+              <a:t>No numbers for columns</a:t>
             </a:r>
           </a:p>
           <a:p>
@@ -21429,6 +21514,13 @@
             </a:r>
           </a:p>
           <a:p>
+            <a:pPr lvl="1"/>
+            <a:r>
+              <a:rPr lang="en-US" dirty="0"/>
+              <a:t>Removal is a separate deployment</a:t>
+            </a:r>
+          </a:p>
+          <a:p>
             <a:r>
               <a:rPr lang="en-US" dirty="0"/>
               <a:t>Avoid renames (aliases, synonyms, views can help here)</a:t>
@@ -21665,6 +21757,548 @@
 
 <file path=ppt/slides/slide38.xml><?xml version="1.0" encoding="utf-8"?>
 <p:sld xmlns:a="http://schemas.openxmlformats.org/drawingml/2006/main" xmlns:r="http://schemas.openxmlformats.org/officeDocument/2006/relationships" xmlns:p="http://schemas.openxmlformats.org/presentationml/2006/main">
+  <p:cSld>
+    <p:spTree>
+      <p:nvGrpSpPr>
+        <p:cNvPr id="1" name=""/>
+        <p:cNvGrpSpPr/>
+        <p:nvPr/>
+      </p:nvGrpSpPr>
+      <p:grpSpPr>
+        <a:xfrm>
+          <a:off x="0" y="0"/>
+          <a:ext cx="0" cy="0"/>
+          <a:chOff x="0" y="0"/>
+          <a:chExt cx="0" cy="0"/>
+        </a:xfrm>
+      </p:grpSpPr>
+      <p:sp>
+        <p:nvSpPr>
+          <p:cNvPr id="2" name="Title 1"/>
+          <p:cNvSpPr>
+            <a:spLocks noGrp="1"/>
+          </p:cNvSpPr>
+          <p:nvPr>
+            <p:ph type="title"/>
+          </p:nvPr>
+        </p:nvSpPr>
+        <p:spPr/>
+        <p:txBody>
+          <a:bodyPr/>
+          <a:lstStyle/>
+          <a:p>
+            <a:r>
+              <a:rPr lang="en-US" b="1" dirty="0"/>
+              <a:t>Session Survey</a:t>
+            </a:r>
+          </a:p>
+        </p:txBody>
+      </p:sp>
+      <p:sp>
+        <p:nvSpPr>
+          <p:cNvPr id="3" name="Content Placeholder 2"/>
+          <p:cNvSpPr>
+            <a:spLocks noGrp="1"/>
+          </p:cNvSpPr>
+          <p:nvPr>
+            <p:ph idx="1"/>
+          </p:nvPr>
+        </p:nvSpPr>
+        <p:spPr>
+          <a:xfrm>
+            <a:off x="464695" y="1063625"/>
+            <a:ext cx="8229600" cy="3394075"/>
+          </a:xfrm>
+        </p:spPr>
+        <p:txBody>
+          <a:bodyPr>
+            <a:normAutofit fontScale="85000" lnSpcReduction="20000"/>
+          </a:bodyPr>
+          <a:lstStyle/>
+          <a:p>
+            <a:r>
+              <a:rPr lang="en-US" dirty="0"/>
+              <a:t>Your feedback is very important to us</a:t>
+            </a:r>
+          </a:p>
+          <a:p>
+            <a:r>
+              <a:rPr lang="en-US" dirty="0"/>
+              <a:t>Please take a moment to complete the session survey found in the mobile app</a:t>
+            </a:r>
+          </a:p>
+          <a:p>
+            <a:r>
+              <a:rPr lang="en-US" dirty="0"/>
+              <a:t>Use the QR code or search for “Converge360 Events” in your app store</a:t>
+            </a:r>
+          </a:p>
+          <a:p>
+            <a:r>
+              <a:rPr lang="en-US" dirty="0"/>
+              <a:t>Find this session on the Agenda tab</a:t>
+            </a:r>
+          </a:p>
+          <a:p>
+            <a:r>
+              <a:rPr lang="en-US" dirty="0"/>
+              <a:t>Click “Session Evaluation”</a:t>
+            </a:r>
+          </a:p>
+          <a:p>
+            <a:r>
+              <a:rPr lang="en-US" dirty="0"/>
+              <a:t>Thank you! </a:t>
+            </a:r>
+          </a:p>
+        </p:txBody>
+      </p:sp>
+      <p:pic>
+        <p:nvPicPr>
+          <p:cNvPr id="4" name="Picture 3"/>
+          <p:cNvPicPr>
+            <a:picLocks noChangeAspect="1"/>
+          </p:cNvPicPr>
+          <p:nvPr/>
+        </p:nvPicPr>
+        <p:blipFill>
+          <a:blip r:embed="rId2" cstate="print">
+            <a:extLst>
+              <a:ext uri="{28A0092B-C50C-407E-A947-70E740481C1C}">
+                <a14:useLocalDpi xmlns:a14="http://schemas.microsoft.com/office/drawing/2010/main" val="0"/>
+              </a:ext>
+            </a:extLst>
+          </a:blip>
+          <a:stretch>
+            <a:fillRect/>
+          </a:stretch>
+        </p:blipFill>
+        <p:spPr>
+          <a:xfrm>
+            <a:off x="6248400" y="2876550"/>
+            <a:ext cx="1428750" cy="1428750"/>
+          </a:xfrm>
+          <a:prstGeom prst="rect">
+            <a:avLst/>
+          </a:prstGeom>
+        </p:spPr>
+      </p:pic>
+      <p:sp>
+        <p:nvSpPr>
+          <p:cNvPr id="5" name="Rectangle 4">
+            <a:extLst>
+              <a:ext uri="{FF2B5EF4-FFF2-40B4-BE49-F238E27FC236}">
+                <a16:creationId xmlns:a16="http://schemas.microsoft.com/office/drawing/2014/main" id="{6E71DEF1-5908-CDC9-F9C2-6EFBE898DA60}"/>
+              </a:ext>
+            </a:extLst>
+          </p:cNvPr>
+          <p:cNvSpPr/>
+          <p:nvPr/>
+        </p:nvSpPr>
+        <p:spPr>
+          <a:xfrm>
+            <a:off x="3978149" y="4316873"/>
+            <a:ext cx="1450181" cy="300082"/>
+          </a:xfrm>
+          <a:prstGeom prst="rect">
+            <a:avLst/>
+          </a:prstGeom>
+        </p:spPr>
+        <p:txBody>
+          <a:bodyPr>
+            <a:spAutoFit/>
+          </a:bodyPr>
+          <a:lstStyle/>
+          <a:p>
+            <a:pPr defTabSz="514350">
+              <a:spcAft>
+                <a:spcPts val="2025"/>
+              </a:spcAft>
+              <a:defRPr/>
+            </a:pPr>
+            <a:r>
+              <a:rPr lang="en-US" sz="1350" dirty="0">
+                <a:solidFill>
+                  <a:prstClr val="black">
+                    <a:lumMod val="50000"/>
+                    <a:lumOff val="50000"/>
+                  </a:prstClr>
+                </a:solidFill>
+                <a:latin typeface="Microsoft Sans Serif" panose="020B0604020202020204" pitchFamily="34" charset="0"/>
+              </a:rPr>
+              <a:t>@way0utwest</a:t>
+            </a:r>
+          </a:p>
+        </p:txBody>
+      </p:sp>
+      <p:pic>
+        <p:nvPicPr>
+          <p:cNvPr id="6" name="Picture 5">
+            <a:extLst>
+              <a:ext uri="{FF2B5EF4-FFF2-40B4-BE49-F238E27FC236}">
+                <a16:creationId xmlns:a16="http://schemas.microsoft.com/office/drawing/2014/main" id="{BF027910-B5C6-A746-3715-492E7F62C567}"/>
+              </a:ext>
+            </a:extLst>
+          </p:cNvPr>
+          <p:cNvPicPr>
+            <a:picLocks noChangeAspect="1" noChangeArrowheads="1"/>
+          </p:cNvPicPr>
+          <p:nvPr/>
+        </p:nvPicPr>
+        <p:blipFill>
+          <a:blip r:embed="rId3">
+            <a:extLst>
+              <a:ext uri="{28A0092B-C50C-407E-A947-70E740481C1C}">
+                <a14:useLocalDpi xmlns:a14="http://schemas.microsoft.com/office/drawing/2010/main" val="0"/>
+              </a:ext>
+            </a:extLst>
+          </a:blip>
+          <a:srcRect/>
+          <a:stretch>
+            <a:fillRect/>
+          </a:stretch>
+        </p:blipFill>
+        <p:spPr bwMode="auto">
+          <a:xfrm>
+            <a:off x="3612626" y="4312111"/>
+            <a:ext cx="344091" cy="269081"/>
+          </a:xfrm>
+          <a:prstGeom prst="rect">
+            <a:avLst/>
+          </a:prstGeom>
+          <a:noFill/>
+          <a:ln>
+            <a:noFill/>
+          </a:ln>
+          <a:extLst>
+            <a:ext uri="{909E8E84-426E-40DD-AFC4-6F175D3DCCD1}">
+              <a14:hiddenFill xmlns:a14="http://schemas.microsoft.com/office/drawing/2010/main">
+                <a:solidFill>
+                  <a:srgbClr val="FFFFFF"/>
+                </a:solidFill>
+              </a14:hiddenFill>
+            </a:ext>
+            <a:ext uri="{91240B29-F687-4F45-9708-019B960494DF}">
+              <a14:hiddenLine xmlns:a14="http://schemas.microsoft.com/office/drawing/2010/main" w="9525">
+                <a:solidFill>
+                  <a:srgbClr val="000000"/>
+                </a:solidFill>
+                <a:miter lim="800000"/>
+                <a:headEnd/>
+                <a:tailEnd/>
+              </a14:hiddenLine>
+            </a:ext>
+          </a:extLst>
+        </p:spPr>
+      </p:pic>
+      <p:pic>
+        <p:nvPicPr>
+          <p:cNvPr id="7" name="Picture 6">
+            <a:extLst>
+              <a:ext uri="{FF2B5EF4-FFF2-40B4-BE49-F238E27FC236}">
+                <a16:creationId xmlns:a16="http://schemas.microsoft.com/office/drawing/2014/main" id="{0D16787A-0BF8-1532-1230-5FE4570FDF2F}"/>
+              </a:ext>
+            </a:extLst>
+          </p:cNvPr>
+          <p:cNvPicPr>
+            <a:picLocks noChangeAspect="1" noChangeArrowheads="1"/>
+          </p:cNvPicPr>
+          <p:nvPr/>
+        </p:nvPicPr>
+        <p:blipFill>
+          <a:blip r:embed="rId4" cstate="print">
+            <a:extLst>
+              <a:ext uri="{28A0092B-C50C-407E-A947-70E740481C1C}">
+                <a14:useLocalDpi xmlns:a14="http://schemas.microsoft.com/office/drawing/2010/main" val="0"/>
+              </a:ext>
+            </a:extLst>
+          </a:blip>
+          <a:srcRect/>
+          <a:stretch>
+            <a:fillRect/>
+          </a:stretch>
+        </p:blipFill>
+        <p:spPr bwMode="auto">
+          <a:xfrm>
+            <a:off x="973670" y="4304967"/>
+            <a:ext cx="338138" cy="289322"/>
+          </a:xfrm>
+          <a:prstGeom prst="rect">
+            <a:avLst/>
+          </a:prstGeom>
+          <a:noFill/>
+          <a:ln>
+            <a:noFill/>
+          </a:ln>
+          <a:extLst>
+            <a:ext uri="{909E8E84-426E-40DD-AFC4-6F175D3DCCD1}">
+              <a14:hiddenFill xmlns:a14="http://schemas.microsoft.com/office/drawing/2010/main">
+                <a:solidFill>
+                  <a:srgbClr val="FFFFFF"/>
+                </a:solidFill>
+              </a14:hiddenFill>
+            </a:ext>
+            <a:ext uri="{91240B29-F687-4F45-9708-019B960494DF}">
+              <a14:hiddenLine xmlns:a14="http://schemas.microsoft.com/office/drawing/2010/main" w="9525">
+                <a:solidFill>
+                  <a:srgbClr val="000000"/>
+                </a:solidFill>
+                <a:miter lim="800000"/>
+                <a:headEnd/>
+                <a:tailEnd/>
+              </a14:hiddenLine>
+            </a:ext>
+          </a:extLst>
+        </p:spPr>
+      </p:pic>
+      <p:sp>
+        <p:nvSpPr>
+          <p:cNvPr id="8" name="TextBox 7">
+            <a:extLst>
+              <a:ext uri="{FF2B5EF4-FFF2-40B4-BE49-F238E27FC236}">
+                <a16:creationId xmlns:a16="http://schemas.microsoft.com/office/drawing/2014/main" id="{9836CCDD-91A6-90F6-D41A-1A459971430C}"/>
+              </a:ext>
+            </a:extLst>
+          </p:cNvPr>
+          <p:cNvSpPr txBox="1"/>
+          <p:nvPr/>
+        </p:nvSpPr>
+        <p:spPr>
+          <a:xfrm>
+            <a:off x="1311808" y="4308538"/>
+            <a:ext cx="1401365" cy="300082"/>
+          </a:xfrm>
+          <a:prstGeom prst="rect">
+            <a:avLst/>
+          </a:prstGeom>
+          <a:noFill/>
+        </p:spPr>
+        <p:txBody>
+          <a:bodyPr>
+            <a:spAutoFit/>
+          </a:bodyPr>
+          <a:lstStyle/>
+          <a:p>
+            <a:pPr defTabSz="514350">
+              <a:spcAft>
+                <a:spcPts val="2025"/>
+              </a:spcAft>
+              <a:defRPr/>
+            </a:pPr>
+            <a:r>
+              <a:rPr lang="en-US" sz="1350" dirty="0">
+                <a:solidFill>
+                  <a:prstClr val="black">
+                    <a:lumMod val="50000"/>
+                    <a:lumOff val="50000"/>
+                  </a:prstClr>
+                </a:solidFill>
+                <a:latin typeface="Microsoft Sans Serif" panose="020B0604020202020204" pitchFamily="34" charset="0"/>
+              </a:rPr>
+              <a:t>/in/way0utwest</a:t>
+            </a:r>
+          </a:p>
+        </p:txBody>
+      </p:sp>
+      <p:pic>
+        <p:nvPicPr>
+          <p:cNvPr id="9" name="Picture 8">
+            <a:extLst>
+              <a:ext uri="{FF2B5EF4-FFF2-40B4-BE49-F238E27FC236}">
+                <a16:creationId xmlns:a16="http://schemas.microsoft.com/office/drawing/2014/main" id="{9A3C9972-559A-3EA6-6F9E-24E5FC13678B}"/>
+              </a:ext>
+            </a:extLst>
+          </p:cNvPr>
+          <p:cNvPicPr>
+            <a:picLocks noChangeAspect="1" noChangeArrowheads="1"/>
+          </p:cNvPicPr>
+          <p:nvPr/>
+        </p:nvPicPr>
+        <p:blipFill>
+          <a:blip r:embed="rId5">
+            <a:extLst>
+              <a:ext uri="{28A0092B-C50C-407E-A947-70E740481C1C}">
+                <a14:useLocalDpi xmlns:a14="http://schemas.microsoft.com/office/drawing/2010/main" val="0"/>
+              </a:ext>
+            </a:extLst>
+          </a:blip>
+          <a:srcRect/>
+          <a:stretch>
+            <a:fillRect/>
+          </a:stretch>
+        </p:blipFill>
+        <p:spPr bwMode="auto">
+          <a:xfrm>
+            <a:off x="3651935" y="4661855"/>
+            <a:ext cx="252413" cy="277416"/>
+          </a:xfrm>
+          <a:prstGeom prst="rect">
+            <a:avLst/>
+          </a:prstGeom>
+          <a:noFill/>
+          <a:ln>
+            <a:noFill/>
+          </a:ln>
+          <a:extLst>
+            <a:ext uri="{909E8E84-426E-40DD-AFC4-6F175D3DCCD1}">
+              <a14:hiddenFill xmlns:a14="http://schemas.microsoft.com/office/drawing/2010/main">
+                <a:solidFill>
+                  <a:srgbClr val="FFFFFF"/>
+                </a:solidFill>
+              </a14:hiddenFill>
+            </a:ext>
+            <a:ext uri="{91240B29-F687-4F45-9708-019B960494DF}">
+              <a14:hiddenLine xmlns:a14="http://schemas.microsoft.com/office/drawing/2010/main" w="9525">
+                <a:solidFill>
+                  <a:srgbClr val="000000"/>
+                </a:solidFill>
+                <a:miter lim="800000"/>
+                <a:headEnd/>
+                <a:tailEnd/>
+              </a14:hiddenLine>
+            </a:ext>
+          </a:extLst>
+        </p:spPr>
+      </p:pic>
+      <p:sp>
+        <p:nvSpPr>
+          <p:cNvPr id="10" name="Rectangle 9">
+            <a:extLst>
+              <a:ext uri="{FF2B5EF4-FFF2-40B4-BE49-F238E27FC236}">
+                <a16:creationId xmlns:a16="http://schemas.microsoft.com/office/drawing/2014/main" id="{B79A83B3-7980-6111-489B-F92713726ADB}"/>
+              </a:ext>
+            </a:extLst>
+          </p:cNvPr>
+          <p:cNvSpPr/>
+          <p:nvPr/>
+        </p:nvSpPr>
+        <p:spPr>
+          <a:xfrm>
+            <a:off x="1334829" y="4671069"/>
+            <a:ext cx="2398149" cy="276999"/>
+          </a:xfrm>
+          <a:prstGeom prst="rect">
+            <a:avLst/>
+          </a:prstGeom>
+        </p:spPr>
+        <p:txBody>
+          <a:bodyPr wrap="square">
+            <a:spAutoFit/>
+          </a:bodyPr>
+          <a:lstStyle/>
+          <a:p>
+            <a:pPr>
+              <a:spcAft>
+                <a:spcPts val="2700"/>
+              </a:spcAft>
+            </a:pPr>
+            <a:r>
+              <a:rPr lang="en-US" sz="1200" dirty="0" err="1">
+                <a:latin typeface="Roboto Regular" panose="02000000000000000000" pitchFamily="2" charset="0"/>
+                <a:ea typeface="Roboto Regular" panose="02000000000000000000" pitchFamily="2" charset="0"/>
+              </a:rPr>
+              <a:t>sjones@sqlservercentral.com</a:t>
+            </a:r>
+            <a:endParaRPr lang="en-US" sz="1200" dirty="0">
+              <a:latin typeface="Roboto Regular" panose="02000000000000000000" pitchFamily="2" charset="0"/>
+              <a:ea typeface="Roboto Regular" panose="02000000000000000000" pitchFamily="2" charset="0"/>
+            </a:endParaRPr>
+          </a:p>
+        </p:txBody>
+      </p:sp>
+      <p:pic>
+        <p:nvPicPr>
+          <p:cNvPr id="11" name="Picture 10">
+            <a:extLst>
+              <a:ext uri="{FF2B5EF4-FFF2-40B4-BE49-F238E27FC236}">
+                <a16:creationId xmlns:a16="http://schemas.microsoft.com/office/drawing/2014/main" id="{6962C554-E655-4F80-CE17-5CE437B65893}"/>
+              </a:ext>
+            </a:extLst>
+          </p:cNvPr>
+          <p:cNvPicPr>
+            <a:picLocks noChangeAspect="1"/>
+          </p:cNvPicPr>
+          <p:nvPr/>
+        </p:nvPicPr>
+        <p:blipFill>
+          <a:blip r:embed="rId6"/>
+          <a:stretch>
+            <a:fillRect/>
+          </a:stretch>
+        </p:blipFill>
+        <p:spPr>
+          <a:xfrm>
+            <a:off x="1009027" y="4655903"/>
+            <a:ext cx="284337" cy="232639"/>
+          </a:xfrm>
+          <a:prstGeom prst="rect">
+            <a:avLst/>
+          </a:prstGeom>
+        </p:spPr>
+      </p:pic>
+      <p:sp>
+        <p:nvSpPr>
+          <p:cNvPr id="12" name="Rectangle 11">
+            <a:extLst>
+              <a:ext uri="{FF2B5EF4-FFF2-40B4-BE49-F238E27FC236}">
+                <a16:creationId xmlns:a16="http://schemas.microsoft.com/office/drawing/2014/main" id="{E5FD60BD-9B1F-46B0-1643-04C8B6B017AA}"/>
+              </a:ext>
+            </a:extLst>
+          </p:cNvPr>
+          <p:cNvSpPr/>
+          <p:nvPr/>
+        </p:nvSpPr>
+        <p:spPr>
+          <a:xfrm>
+            <a:off x="3904347" y="4660665"/>
+            <a:ext cx="2100263" cy="300082"/>
+          </a:xfrm>
+          <a:prstGeom prst="rect">
+            <a:avLst/>
+          </a:prstGeom>
+        </p:spPr>
+        <p:txBody>
+          <a:bodyPr>
+            <a:spAutoFit/>
+          </a:bodyPr>
+          <a:lstStyle/>
+          <a:p>
+            <a:pPr defTabSz="514350">
+              <a:spcAft>
+                <a:spcPts val="2025"/>
+              </a:spcAft>
+              <a:defRPr/>
+            </a:pPr>
+            <a:r>
+              <a:rPr lang="en-US" sz="1350" dirty="0">
+                <a:solidFill>
+                  <a:prstClr val="black">
+                    <a:lumMod val="50000"/>
+                    <a:lumOff val="50000"/>
+                  </a:prstClr>
+                </a:solidFill>
+                <a:latin typeface="Microsoft Sans Serif" panose="020B0604020202020204" pitchFamily="34" charset="0"/>
+              </a:rPr>
+              <a:t>www.voiceofthedba.com</a:t>
+            </a:r>
+          </a:p>
+        </p:txBody>
+      </p:sp>
+    </p:spTree>
+    <p:extLst>
+      <p:ext uri="{BB962C8B-B14F-4D97-AF65-F5344CB8AC3E}">
+        <p14:creationId xmlns:p14="http://schemas.microsoft.com/office/powerpoint/2010/main" val="1575677855"/>
+      </p:ext>
+    </p:extLst>
+  </p:cSld>
+  <p:clrMapOvr>
+    <a:masterClrMapping/>
+  </p:clrMapOvr>
+</p:sld>
+</file>
+
+<file path=ppt/slides/slide39.xml><?xml version="1.0" encoding="utf-8"?>
+<p:sld xmlns:a="http://schemas.openxmlformats.org/drawingml/2006/main" xmlns:r="http://schemas.openxmlformats.org/officeDocument/2006/relationships" xmlns:p="http://schemas.openxmlformats.org/presentationml/2006/main" show="0">
   <p:cSld>
     <p:spTree>
       <p:nvGrpSpPr>
@@ -22228,7 +22862,61 @@
 </p:sld>
 </file>
 
-<file path=ppt/slides/slide39.xml><?xml version="1.0" encoding="utf-8"?>
+<file path=ppt/slides/slide4.xml><?xml version="1.0" encoding="utf-8"?>
+<p:sld xmlns:a="http://schemas.openxmlformats.org/drawingml/2006/main" xmlns:r="http://schemas.openxmlformats.org/officeDocument/2006/relationships" xmlns:p="http://schemas.openxmlformats.org/presentationml/2006/main">
+  <p:cSld>
+    <p:spTree>
+      <p:nvGrpSpPr>
+        <p:cNvPr id="1" name=""/>
+        <p:cNvGrpSpPr/>
+        <p:nvPr/>
+      </p:nvGrpSpPr>
+      <p:grpSpPr>
+        <a:xfrm>
+          <a:off x="0" y="0"/>
+          <a:ext cx="0" cy="0"/>
+          <a:chOff x="0" y="0"/>
+          <a:chExt cx="0" cy="0"/>
+        </a:xfrm>
+      </p:grpSpPr>
+      <p:sp>
+        <p:nvSpPr>
+          <p:cNvPr id="4" name="Title 3"/>
+          <p:cNvSpPr>
+            <a:spLocks noGrp="1"/>
+          </p:cNvSpPr>
+          <p:nvPr>
+            <p:ph type="title"/>
+          </p:nvPr>
+        </p:nvSpPr>
+        <p:spPr/>
+        <p:txBody>
+          <a:bodyPr>
+            <a:normAutofit fontScale="90000"/>
+          </a:bodyPr>
+          <a:lstStyle/>
+          <a:p>
+            <a:r>
+              <a:rPr lang="en-US" dirty="0"/>
+              <a:t>Defining Zero Downtime for Databases</a:t>
+            </a:r>
+          </a:p>
+        </p:txBody>
+      </p:sp>
+    </p:spTree>
+    <p:extLst>
+      <p:ext uri="{BB962C8B-B14F-4D97-AF65-F5344CB8AC3E}">
+        <p14:creationId xmlns:p14="http://schemas.microsoft.com/office/powerpoint/2010/main" val="1631803677"/>
+      </p:ext>
+    </p:extLst>
+  </p:cSld>
+  <p:clrMapOvr>
+    <a:masterClrMapping/>
+  </p:clrMapOvr>
+</p:sld>
+</file>
+
+<file path=ppt/slides/slide40.xml><?xml version="1.0" encoding="utf-8"?>
 <p:sld xmlns:a="http://schemas.openxmlformats.org/drawingml/2006/main" xmlns:r="http://schemas.openxmlformats.org/officeDocument/2006/relationships" xmlns:p="http://schemas.openxmlformats.org/presentationml/2006/main">
   <p:cSld>
     <p:spTree>
@@ -22684,60 +23372,6 @@
 </p:sld>
 </file>
 
-<file path=ppt/slides/slide4.xml><?xml version="1.0" encoding="utf-8"?>
-<p:sld xmlns:a="http://schemas.openxmlformats.org/drawingml/2006/main" xmlns:r="http://schemas.openxmlformats.org/officeDocument/2006/relationships" xmlns:p="http://schemas.openxmlformats.org/presentationml/2006/main">
-  <p:cSld>
-    <p:spTree>
-      <p:nvGrpSpPr>
-        <p:cNvPr id="1" name=""/>
-        <p:cNvGrpSpPr/>
-        <p:nvPr/>
-      </p:nvGrpSpPr>
-      <p:grpSpPr>
-        <a:xfrm>
-          <a:off x="0" y="0"/>
-          <a:ext cx="0" cy="0"/>
-          <a:chOff x="0" y="0"/>
-          <a:chExt cx="0" cy="0"/>
-        </a:xfrm>
-      </p:grpSpPr>
-      <p:sp>
-        <p:nvSpPr>
-          <p:cNvPr id="4" name="Title 3"/>
-          <p:cNvSpPr>
-            <a:spLocks noGrp="1"/>
-          </p:cNvSpPr>
-          <p:nvPr>
-            <p:ph type="title"/>
-          </p:nvPr>
-        </p:nvSpPr>
-        <p:spPr/>
-        <p:txBody>
-          <a:bodyPr>
-            <a:normAutofit fontScale="90000"/>
-          </a:bodyPr>
-          <a:lstStyle/>
-          <a:p>
-            <a:r>
-              <a:rPr lang="en-US" dirty="0"/>
-              <a:t>Defining Zero Downtime for Databases</a:t>
-            </a:r>
-          </a:p>
-        </p:txBody>
-      </p:sp>
-    </p:spTree>
-    <p:extLst>
-      <p:ext uri="{BB962C8B-B14F-4D97-AF65-F5344CB8AC3E}">
-        <p14:creationId xmlns:p14="http://schemas.microsoft.com/office/powerpoint/2010/main" val="1631803677"/>
-      </p:ext>
-    </p:extLst>
-  </p:cSld>
-  <p:clrMapOvr>
-    <a:masterClrMapping/>
-  </p:clrMapOvr>
-</p:sld>
-</file>
-
 <file path=ppt/slides/slide5.xml><?xml version="1.0" encoding="utf-8"?>
 <p:sld xmlns:a="http://schemas.openxmlformats.org/drawingml/2006/main" xmlns:r="http://schemas.openxmlformats.org/officeDocument/2006/relationships" xmlns:p="http://schemas.openxmlformats.org/presentationml/2006/main">
   <p:cSld>
@@ -23120,7 +23754,7 @@
         </p:nvSpPr>
         <p:spPr>
           <a:xfrm>
-            <a:off x="457200" y="1200150"/>
+            <a:off x="457200" y="1123950"/>
             <a:ext cx="8458200" cy="3394075"/>
           </a:xfrm>
         </p:spPr>
@@ -23132,13 +23766,13 @@
           <a:p>
             <a:pPr>
               <a:lnSpc>
-                <a:spcPct val="150000"/>
+                <a:spcPct val="110000"/>
               </a:lnSpc>
               <a:buFont typeface="Courier New" panose="02070309020205020404" pitchFamily="49" charset="0"/>
               <a:buChar char="o"/>
             </a:pPr>
             <a:r>
-              <a:rPr lang="en-GB" sz="2200" dirty="0">
+              <a:rPr lang="en-GB" sz="2400" dirty="0">
                 <a:solidFill>
                   <a:schemeClr val="bg2">
                     <a:lumMod val="10000"/>
@@ -23153,25 +23787,13 @@
           <a:p>
             <a:pPr marL="685800" lvl="1" indent="-342900">
               <a:lnSpc>
-                <a:spcPct val="150000"/>
+                <a:spcPct val="110000"/>
               </a:lnSpc>
               <a:buFont typeface="Courier New" panose="02070309020205020404" pitchFamily="49" charset="0"/>
               <a:buChar char="o"/>
             </a:pPr>
             <a:r>
-              <a:rPr lang="en-GB" sz="1700" dirty="0">
-                <a:solidFill>
-                  <a:schemeClr val="bg2">
-                    <a:lumMod val="10000"/>
-                  </a:schemeClr>
-                </a:solidFill>
-                <a:ea typeface="Roboto Regular" panose="02000000000000000000" pitchFamily="2" charset="0"/>
-                <a:cs typeface="Roboto Regular" panose="02000000000000000000" pitchFamily="2" charset="0"/>
-              </a:rPr>
-              <a:t>Expand/Contract model - </a:t>
-            </a:r>
-            <a:r>
-              <a:rPr lang="en-GB" sz="1700" dirty="0">
+              <a:rPr lang="en-GB" sz="2000" dirty="0">
                 <a:solidFill>
                   <a:schemeClr val="bg2">
                     <a:lumMod val="10000"/>
@@ -23181,28 +23803,52 @@
                 <a:cs typeface="Roboto Regular" panose="02000000000000000000" pitchFamily="2" charset="0"/>
                 <a:hlinkClick r:id="rId2"/>
               </a:rPr>
-              <a:t>https://martinfowler.com/bliki/ParallelChange.html</a:t>
-            </a:r>
-            <a:endParaRPr lang="en-GB" sz="1700" dirty="0">
-              <a:solidFill>
-                <a:schemeClr val="bg2">
-                  <a:lumMod val="10000"/>
-                </a:schemeClr>
-              </a:solidFill>
-              <a:ea typeface="Roboto Regular" panose="02000000000000000000" pitchFamily="2" charset="0"/>
-              <a:cs typeface="Roboto Regular" panose="02000000000000000000" pitchFamily="2" charset="0"/>
-            </a:endParaRPr>
-          </a:p>
-          <a:p>
-            <a:pPr>
+              <a:t>Expand/Contract model</a:t>
+            </a:r>
+            <a:r>
+              <a:rPr lang="en-GB" sz="2000" dirty="0">
+                <a:solidFill>
+                  <a:schemeClr val="bg2">
+                    <a:lumMod val="10000"/>
+                  </a:schemeClr>
+                </a:solidFill>
+                <a:ea typeface="Roboto Regular" panose="02000000000000000000" pitchFamily="2" charset="0"/>
+                <a:cs typeface="Roboto Regular" panose="02000000000000000000" pitchFamily="2" charset="0"/>
+              </a:rPr>
+              <a:t> (Martin Fowler)</a:t>
+            </a:r>
+          </a:p>
+          <a:p>
+            <a:pPr marL="685800" lvl="1" indent="-342900">
               <a:lnSpc>
-                <a:spcPct val="150000"/>
+                <a:spcPct val="110000"/>
               </a:lnSpc>
               <a:buFont typeface="Courier New" panose="02070309020205020404" pitchFamily="49" charset="0"/>
               <a:buChar char="o"/>
             </a:pPr>
             <a:r>
-              <a:rPr lang="en-GB" sz="2200" dirty="0">
+              <a:rPr lang="en-GB" sz="2000" dirty="0">
+                <a:solidFill>
+                  <a:schemeClr val="bg2">
+                    <a:lumMod val="10000"/>
+                  </a:schemeClr>
+                </a:solidFill>
+                <a:ea typeface="Roboto Regular" panose="02000000000000000000" pitchFamily="2" charset="0"/>
+                <a:cs typeface="Roboto Regular" panose="02000000000000000000" pitchFamily="2" charset="0"/>
+              </a:rPr>
+              <a:t>Similar to blue/green for applications</a:t>
+            </a:r>
+          </a:p>
+          <a:p>
+            <a:pPr>
+              <a:lnSpc>
+                <a:spcPct val="110000"/>
+              </a:lnSpc>
+              <a:buFont typeface="Courier New" panose="02070309020205020404" pitchFamily="49" charset="0"/>
+              <a:buChar char="o"/>
+            </a:pPr>
+            <a:r>
+              <a:rPr lang="en-GB" sz="2400" dirty="0">
                 <a:solidFill>
                   <a:schemeClr val="bg2">
                     <a:lumMod val="10000"/>
@@ -23217,13 +23863,13 @@
           <a:p>
             <a:pPr marL="685800" lvl="1" indent="-342900">
               <a:lnSpc>
-                <a:spcPct val="150000"/>
+                <a:spcPct val="110000"/>
               </a:lnSpc>
               <a:buFont typeface="Courier New" panose="02070309020205020404" pitchFamily="49" charset="0"/>
               <a:buChar char="o"/>
             </a:pPr>
             <a:r>
-              <a:rPr lang="en-GB" sz="1700" dirty="0">
+              <a:rPr lang="en-GB" sz="2000" dirty="0">
                 <a:solidFill>
                   <a:schemeClr val="bg2">
                     <a:lumMod val="10000"/>
@@ -23238,13 +23884,13 @@
           <a:p>
             <a:pPr marL="685800" lvl="1" indent="-342900">
               <a:lnSpc>
-                <a:spcPct val="150000"/>
+                <a:spcPct val="110000"/>
               </a:lnSpc>
               <a:buFont typeface="Courier New" panose="02070309020205020404" pitchFamily="49" charset="0"/>
               <a:buChar char="o"/>
             </a:pPr>
             <a:r>
-              <a:rPr lang="en-GB" sz="1700" dirty="0">
+              <a:rPr lang="en-GB" sz="2000" dirty="0">
                 <a:solidFill>
                   <a:schemeClr val="bg2">
                     <a:lumMod val="10000"/>
@@ -23253,7 +23899,28 @@
                 <a:ea typeface="Roboto Regular" panose="02000000000000000000" pitchFamily="2" charset="0"/>
                 <a:cs typeface="Roboto Regular" panose="02000000000000000000" pitchFamily="2" charset="0"/>
               </a:rPr>
-              <a:t>Use this time to make changes outside of a deployment window</a:t>
+              <a:t>Use this time to make changes outside of a single deployment window</a:t>
+            </a:r>
+          </a:p>
+          <a:p>
+            <a:pPr marL="685800" lvl="1" indent="-342900">
+              <a:lnSpc>
+                <a:spcPct val="110000"/>
+              </a:lnSpc>
+              <a:buFont typeface="Courier New" panose="02070309020205020404" pitchFamily="49" charset="0"/>
+              <a:buChar char="o"/>
+            </a:pPr>
+            <a:r>
+              <a:rPr lang="en-GB" sz="2000" dirty="0">
+                <a:solidFill>
+                  <a:schemeClr val="bg2">
+                    <a:lumMod val="10000"/>
+                  </a:schemeClr>
+                </a:solidFill>
+                <a:ea typeface="Roboto Regular" panose="02000000000000000000" pitchFamily="2" charset="0"/>
+                <a:cs typeface="Roboto Regular" panose="02000000000000000000" pitchFamily="2" charset="0"/>
+              </a:rPr>
+              <a:t>Use multiple deployments</a:t>
             </a:r>
           </a:p>
         </p:txBody>
@@ -23322,8 +23989,8 @@
         </p:nvSpPr>
         <p:spPr>
           <a:xfrm>
-            <a:off x="457200" y="1123950"/>
-            <a:ext cx="8362950" cy="3500438"/>
+            <a:off x="457200" y="1123949"/>
+            <a:ext cx="8362950" cy="3813175"/>
           </a:xfrm>
         </p:spPr>
         <p:txBody>
@@ -23340,7 +24007,7 @@
               <a:buChar char="o"/>
             </a:pPr>
             <a:r>
-              <a:rPr lang="en-GB" sz="1800" dirty="0">
+              <a:rPr lang="en-GB" sz="2400" dirty="0">
                 <a:solidFill>
                   <a:schemeClr val="bg2">
                     <a:lumMod val="10000"/>
@@ -23361,7 +24028,7 @@
               <a:buChar char="o"/>
             </a:pPr>
             <a:r>
-              <a:rPr lang="en-US" sz="1800" i="0" dirty="0">
+              <a:rPr lang="en-US" sz="2400" i="0" dirty="0">
                 <a:solidFill>
                   <a:srgbClr val="444444"/>
                 </a:solidFill>
@@ -23371,7 +24038,7 @@
               </a:rPr>
               <a:t>“Baby steps”: If a change is backward-incompatible, split it into multiple backward-compatible steps.</a:t>
             </a:r>
-            <a:endParaRPr lang="en-GB" sz="1800" dirty="0">
+            <a:endParaRPr lang="en-GB" sz="2400" dirty="0">
               <a:solidFill>
                 <a:schemeClr val="bg2">
                   <a:lumMod val="10000"/>
@@ -23390,7 +24057,7 @@
               <a:buChar char="o"/>
             </a:pPr>
             <a:r>
-              <a:rPr lang="en-GB" sz="1800" dirty="0">
+              <a:rPr lang="en-GB" sz="2400" dirty="0">
                 <a:solidFill>
                   <a:schemeClr val="bg2">
                     <a:lumMod val="10000"/>
@@ -23399,7 +24066,7 @@
                 <a:ea typeface="Roboto Regular" panose="02000000000000000000" pitchFamily="2" charset="0"/>
                 <a:cs typeface="Roboto Regular" panose="02000000000000000000" pitchFamily="2" charset="0"/>
               </a:rPr>
-              <a:t>Ensure the database can rev 1 version without affecting the application</a:t>
+              <a:t>Ensure the db can rev 1 version without the app</a:t>
             </a:r>
           </a:p>
           <a:p>
@@ -23411,7 +24078,7 @@
               <a:buChar char="o"/>
             </a:pPr>
             <a:r>
-              <a:rPr lang="en-GB" sz="1800" dirty="0">
+              <a:rPr lang="en-GB" sz="2400" dirty="0">
                 <a:solidFill>
                   <a:schemeClr val="bg2">
                     <a:lumMod val="10000"/>
@@ -23432,7 +24099,7 @@
               <a:buChar char="o"/>
             </a:pPr>
             <a:r>
-              <a:rPr lang="en-GB" sz="1400" dirty="0">
+              <a:rPr lang="en-GB" sz="1800" dirty="0">
                 <a:solidFill>
                   <a:schemeClr val="bg2">
                     <a:lumMod val="10000"/>

--- a/VSLive_LasVegas2023_W19_ArchitectZeroDowntime.pptx
+++ b/VSLive_LasVegas2023_W19_ArchitectZeroDowntime.pptx
@@ -626,6 +626,140 @@
           <a:bodyPr/>
           <a:lstStyle/>
           <a:p>
+            <a:pPr algn="l"/>
+            <a:r>
+              <a:rPr lang="en-US" b="1" i="1" dirty="0">
+                <a:solidFill>
+                  <a:srgbClr val="1D1D1F"/>
+                </a:solidFill>
+                <a:effectLst/>
+                <a:latin typeface="proxima-nova"/>
+              </a:rPr>
+              <a:t>Level: Intermediate</a:t>
+            </a:r>
+          </a:p>
+          <a:p>
+            <a:pPr algn="ctr"/>
+            <a:r>
+              <a:rPr lang="en-US" b="1" i="0" u="none" strike="noStrike" dirty="0">
+                <a:solidFill>
+                  <a:srgbClr val="3A3838"/>
+                </a:solidFill>
+                <a:effectLst/>
+                <a:latin typeface="proxima-nova"/>
+                <a:hlinkClick r:id="rId3"/>
+              </a:rPr>
+              <a:t>Steve Jones</a:t>
+            </a:r>
+            <a:endParaRPr lang="en-US" b="0" i="0" dirty="0">
+              <a:solidFill>
+                <a:srgbClr val="1D1D1F"/>
+              </a:solidFill>
+              <a:effectLst/>
+              <a:latin typeface="proxima-nova"/>
+            </a:endParaRPr>
+          </a:p>
+          <a:p>
+            <a:pPr algn="ctr"/>
+            <a:r>
+              <a:rPr lang="en-US" b="1" i="1" dirty="0">
+                <a:solidFill>
+                  <a:srgbClr val="908E8F"/>
+                </a:solidFill>
+                <a:effectLst/>
+                <a:latin typeface="proxima-nova"/>
+              </a:rPr>
+              <a:t>Editor</a:t>
+            </a:r>
+          </a:p>
+          <a:p>
+            <a:pPr algn="ctr"/>
+            <a:r>
+              <a:rPr lang="en-US" b="1" i="1" dirty="0">
+                <a:solidFill>
+                  <a:srgbClr val="908E8F"/>
+                </a:solidFill>
+                <a:effectLst/>
+                <a:latin typeface="proxima-nova"/>
+              </a:rPr>
+              <a:t>SQLServerCentral</a:t>
+            </a:r>
+          </a:p>
+          <a:p>
+            <a:pPr algn="l"/>
+            <a:r>
+              <a:rPr lang="en-US" b="0" i="0" dirty="0">
+                <a:solidFill>
+                  <a:srgbClr val="1D1D1F"/>
+                </a:solidFill>
+                <a:effectLst/>
+                <a:latin typeface="proxima-nova"/>
+              </a:rPr>
+              <a:t>Achieving zero downtime for application deployments is commonplace these days, but the database still presents challenges, especially for legacy systems. This session will discuss the challenges of database deployments and protecting customer data while presenting patterns and practices that can be used to approach new zero downtime deployments for your applications.</a:t>
+            </a:r>
+          </a:p>
+          <a:p>
+            <a:pPr algn="l"/>
+            <a:r>
+              <a:rPr lang="en-US" b="0" i="0" dirty="0">
+                <a:solidFill>
+                  <a:srgbClr val="1D1D1F"/>
+                </a:solidFill>
+                <a:effectLst/>
+                <a:latin typeface="proxima-nova"/>
+              </a:rPr>
+              <a:t>You will learn:</a:t>
+            </a:r>
+          </a:p>
+          <a:p>
+            <a:pPr algn="l">
+              <a:buFont typeface="Arial" panose="020B0604020202020204" pitchFamily="34" charset="0"/>
+              <a:buChar char="•"/>
+            </a:pPr>
+            <a:r>
+              <a:rPr lang="en-US" b="0" i="0" dirty="0">
+                <a:solidFill>
+                  <a:srgbClr val="1D1D1F"/>
+                </a:solidFill>
+                <a:effectLst/>
+                <a:latin typeface="proxima-nova"/>
+              </a:rPr>
+              <a:t>The challenges of zero downtime database deployments</a:t>
+            </a:r>
+          </a:p>
+          <a:p>
+            <a:pPr algn="l">
+              <a:buFont typeface="Arial" panose="020B0604020202020204" pitchFamily="34" charset="0"/>
+              <a:buChar char="•"/>
+            </a:pPr>
+            <a:r>
+              <a:rPr lang="en-US" b="0" i="0" dirty="0">
+                <a:solidFill>
+                  <a:srgbClr val="1D1D1F"/>
+                </a:solidFill>
+                <a:effectLst/>
+                <a:latin typeface="proxima-nova"/>
+              </a:rPr>
+              <a:t>About deployment patterns the minimize impact of database changes</a:t>
+            </a:r>
+          </a:p>
+          <a:p>
+            <a:pPr algn="l">
+              <a:buFont typeface="Arial" panose="020B0604020202020204" pitchFamily="34" charset="0"/>
+              <a:buChar char="•"/>
+            </a:pPr>
+            <a:r>
+              <a:rPr lang="en-US" b="0" i="0" dirty="0">
+                <a:solidFill>
+                  <a:srgbClr val="1D1D1F"/>
+                </a:solidFill>
+                <a:effectLst/>
+                <a:latin typeface="proxima-nova"/>
+              </a:rPr>
+              <a:t>The application development patterns that support zero downtime deployments</a:t>
+            </a:r>
+          </a:p>
+          <a:p>
             <a:endParaRPr lang="en-US" dirty="0"/>
           </a:p>
         </p:txBody>
@@ -720,10 +854,100 @@
           <a:lstStyle/>
           <a:p>
             <a:r>
-              <a:rPr lang="en-GB" dirty="0" err="1"/>
-              <a:t>steve</a:t>
-            </a:r>
-            <a:endParaRPr lang="en-GB" dirty="0"/>
+              <a:rPr lang="en-US" dirty="0"/>
+              <a:t>Setup:</a:t>
+            </a:r>
+          </a:p>
+          <a:p>
+            <a:pPr marL="171450" indent="-171450">
+              <a:buFontTx/>
+              <a:buChar char="-"/>
+            </a:pPr>
+            <a:r>
+              <a:rPr lang="en-US" dirty="0"/>
+              <a:t>SSMS (open folder), run 01, 02</a:t>
+            </a:r>
+          </a:p>
+          <a:p>
+            <a:pPr marL="171450" indent="-171450">
+              <a:buFontTx/>
+              <a:buChar char="-"/>
+            </a:pPr>
+            <a:r>
+              <a:rPr lang="en-US" dirty="0"/>
+              <a:t>VS – open app</a:t>
+            </a:r>
+          </a:p>
+          <a:p>
+            <a:pPr marL="171450" indent="-171450">
+              <a:buFontTx/>
+              <a:buChar char="-"/>
+            </a:pPr>
+            <a:endParaRPr lang="en-US" dirty="0"/>
+          </a:p>
+        </p:txBody>
+      </p:sp>
+    </p:spTree>
+    <p:extLst>
+      <p:ext uri="{BB962C8B-B14F-4D97-AF65-F5344CB8AC3E}">
+        <p14:creationId xmlns:p14="http://schemas.microsoft.com/office/powerpoint/2010/main" val="2767027379"/>
+      </p:ext>
+    </p:extLst>
+  </p:cSld>
+  <p:clrMapOvr>
+    <a:masterClrMapping/>
+  </p:clrMapOvr>
+</p:notes>
+</file>
+
+<file path=ppt/notesSlides/notesSlide3.xml><?xml version="1.0" encoding="utf-8"?>
+<p:notes xmlns:a="http://schemas.openxmlformats.org/drawingml/2006/main" xmlns:r="http://schemas.openxmlformats.org/officeDocument/2006/relationships" xmlns:p="http://schemas.openxmlformats.org/presentationml/2006/main">
+  <p:cSld>
+    <p:spTree>
+      <p:nvGrpSpPr>
+        <p:cNvPr id="1" name=""/>
+        <p:cNvGrpSpPr/>
+        <p:nvPr/>
+      </p:nvGrpSpPr>
+      <p:grpSpPr>
+        <a:xfrm>
+          <a:off x="0" y="0"/>
+          <a:ext cx="0" cy="0"/>
+          <a:chOff x="0" y="0"/>
+          <a:chExt cx="0" cy="0"/>
+        </a:xfrm>
+      </p:grpSpPr>
+      <p:sp>
+        <p:nvSpPr>
+          <p:cNvPr id="2" name="Slide Image Placeholder 1"/>
+          <p:cNvSpPr>
+            <a:spLocks noGrp="1" noRot="1" noChangeAspect="1"/>
+          </p:cNvSpPr>
+          <p:nvPr>
+            <p:ph type="sldImg"/>
+          </p:nvPr>
+        </p:nvSpPr>
+        <p:spPr/>
+      </p:sp>
+      <p:sp>
+        <p:nvSpPr>
+          <p:cNvPr id="3" name="Notes Placeholder 2"/>
+          <p:cNvSpPr>
+            <a:spLocks noGrp="1"/>
+          </p:cNvSpPr>
+          <p:nvPr>
+            <p:ph type="body" idx="1"/>
+          </p:nvPr>
+        </p:nvSpPr>
+        <p:spPr/>
+        <p:txBody>
+          <a:bodyPr/>
+          <a:lstStyle/>
+          <a:p>
+            <a:r>
+              <a:rPr lang="en-GB" dirty="0"/>
+              <a:t>Steve Bio</a:t>
+            </a:r>
           </a:p>
         </p:txBody>
       </p:sp>
@@ -16365,7 +16589,7 @@
         </p:spPr>
         <p:txBody>
           <a:bodyPr>
-            <a:normAutofit fontScale="92500"/>
+            <a:normAutofit fontScale="92500" lnSpcReduction="10000"/>
           </a:bodyPr>
           <a:lstStyle/>
           <a:p>
@@ -16430,6 +16654,48 @@
               </a:rPr>
               <a:t>All procs/functions must only add parameters with defaults</a:t>
             </a:r>
+          </a:p>
+          <a:p>
+            <a:pPr marL="685800" lvl="1" indent="-342900">
+              <a:lnSpc>
+                <a:spcPct val="150000"/>
+              </a:lnSpc>
+              <a:buFont typeface="Courier New" panose="02070309020205020404" pitchFamily="49" charset="0"/>
+              <a:buChar char="o"/>
+            </a:pPr>
+            <a:r>
+              <a:rPr lang="en-GB" sz="2400" dirty="0">
+                <a:solidFill>
+                  <a:schemeClr val="bg2">
+                    <a:lumMod val="10000"/>
+                  </a:schemeClr>
+                </a:solidFill>
+                <a:ea typeface="Roboto Regular" panose="02000000000000000000" pitchFamily="2" charset="0"/>
+                <a:cs typeface="Roboto Regular" panose="02000000000000000000" pitchFamily="2" charset="0"/>
+              </a:rPr>
+              <a:t>Name </a:t>
+            </a:r>
+            <a:r>
+              <a:rPr lang="en-GB" sz="2400">
+                <a:solidFill>
+                  <a:schemeClr val="bg2">
+                    <a:lumMod val="10000"/>
+                  </a:schemeClr>
+                </a:solidFill>
+                <a:ea typeface="Roboto Regular" panose="02000000000000000000" pitchFamily="2" charset="0"/>
+                <a:cs typeface="Roboto Regular" panose="02000000000000000000" pitchFamily="2" charset="0"/>
+              </a:rPr>
+              <a:t>all parameters</a:t>
+            </a:r>
+            <a:endParaRPr lang="en-GB" sz="2400" dirty="0">
+              <a:solidFill>
+                <a:schemeClr val="bg2">
+                  <a:lumMod val="10000"/>
+                </a:schemeClr>
+              </a:solidFill>
+              <a:ea typeface="Roboto Regular" panose="02000000000000000000" pitchFamily="2" charset="0"/>
+              <a:cs typeface="Roboto Regular" panose="02000000000000000000" pitchFamily="2" charset="0"/>
+            </a:endParaRPr>
           </a:p>
           <a:p>
             <a:pPr marL="685800" lvl="1" indent="-342900">
@@ -16789,7 +17055,7 @@
         <p:spPr/>
         <p:txBody>
           <a:bodyPr>
-            <a:normAutofit fontScale="77500" lnSpcReduction="20000"/>
+            <a:normAutofit fontScale="85000" lnSpcReduction="20000"/>
           </a:bodyPr>
           <a:lstStyle/>
           <a:p>
@@ -16848,12 +17114,6 @@
             <a:r>
               <a:rPr lang="en-US" dirty="0"/>
               <a:t>We are becoming more normalized</a:t>
-            </a:r>
-          </a:p>
-          <a:p>
-            <a:r>
-              <a:rPr lang="en-US" dirty="0"/>
-              <a:t>Useful for customization as well</a:t>
             </a:r>
           </a:p>
         </p:txBody>
@@ -17160,7 +17420,7 @@
         <p:spPr/>
         <p:txBody>
           <a:bodyPr>
-            <a:normAutofit fontScale="77500" lnSpcReduction="20000"/>
+            <a:normAutofit fontScale="70000" lnSpcReduction="20000"/>
           </a:bodyPr>
           <a:lstStyle/>
           <a:p>
@@ -17192,6 +17452,18 @@
             <a:r>
               <a:rPr lang="en-US" dirty="0"/>
               <a:t>2 - UPDATE the columns by splitting the data in </a:t>
+            </a:r>
+            <a:r>
+              <a:rPr lang="en-US" dirty="0" err="1"/>
+              <a:t>CustomerName</a:t>
+            </a:r>
+            <a:endParaRPr lang="en-US" dirty="0"/>
+          </a:p>
+          <a:p>
+            <a:pPr lvl="2"/>
+            <a:r>
+              <a:rPr lang="en-US" dirty="0"/>
+              <a:t>2a – rename </a:t>
             </a:r>
             <a:r>
               <a:rPr lang="en-US" dirty="0" err="1"/>
@@ -17945,7 +18217,7 @@
           <a:p>
             <a:r>
               <a:rPr lang="en-US" sz="2800" dirty="0"/>
-              <a:t>Use 3 Deployments</a:t>
+              <a:t>Use 2 or 3 Deployments</a:t>
             </a:r>
           </a:p>
           <a:p>
@@ -18173,6 +18445,35 @@
               <a:cs typeface="Calibri" panose="020F0502020204030204" pitchFamily="34" charset="0"/>
             </a:endParaRPr>
           </a:p>
+          <a:p>
+            <a:r>
+              <a:rPr lang="en-US" sz="2400" dirty="0">
+                <a:latin typeface="Calibri" panose="020F0502020204030204" pitchFamily="34" charset="0"/>
+                <a:cs typeface="Calibri" panose="020F0502020204030204" pitchFamily="34" charset="0"/>
+              </a:rPr>
+              <a:t>NOTE: You should NEVER need to do this</a:t>
+            </a:r>
+          </a:p>
+          <a:p>
+            <a:pPr lvl="1"/>
+            <a:r>
+              <a:rPr lang="en-US" sz="2000" dirty="0">
+                <a:latin typeface="Calibri" panose="020F0502020204030204" pitchFamily="34" charset="0"/>
+                <a:cs typeface="Calibri" panose="020F0502020204030204" pitchFamily="34" charset="0"/>
+              </a:rPr>
+              <a:t>We have aliases</a:t>
+            </a:r>
+          </a:p>
+          <a:p>
+            <a:pPr lvl="1"/>
+            <a:r>
+              <a:rPr lang="en-US" sz="2000" dirty="0">
+                <a:latin typeface="Calibri" panose="020F0502020204030204" pitchFamily="34" charset="0"/>
+                <a:cs typeface="Calibri" panose="020F0502020204030204" pitchFamily="34" charset="0"/>
+              </a:rPr>
+              <a:t>We an adjust ordering, naming, etc. in queries</a:t>
+            </a:r>
+          </a:p>
         </p:txBody>
       </p:sp>
     </p:spTree>
@@ -18478,7 +18779,7 @@
         </p:spPr>
         <p:txBody>
           <a:bodyPr>
-            <a:normAutofit fontScale="62500" lnSpcReduction="20000"/>
+            <a:normAutofit fontScale="55000" lnSpcReduction="20000"/>
           </a:bodyPr>
           <a:lstStyle/>
           <a:p>
@@ -18532,6 +18833,13 @@
             </a:r>
           </a:p>
           <a:p>
+            <a:pPr lvl="1"/>
+            <a:r>
+              <a:rPr lang="en-US" dirty="0"/>
+              <a:t>Usually requires a deployment window so all apps can rev/toggle</a:t>
+            </a:r>
+          </a:p>
+          <a:p>
             <a:r>
               <a:rPr lang="en-US" dirty="0"/>
               <a:t>Safer process is:</a:t>
@@ -18564,6 +18872,13 @@
             <a:r>
               <a:rPr lang="en-US" dirty="0"/>
               <a:t> to check access to the old name (maybe)</a:t>
+            </a:r>
+          </a:p>
+          <a:p>
+            <a:pPr lvl="1"/>
+            <a:r>
+              <a:rPr lang="en-US" dirty="0"/>
+              <a:t>Search all code for the old name</a:t>
             </a:r>
           </a:p>
           <a:p>
@@ -21121,87 +21436,94 @@
         <p:spPr/>
         <p:txBody>
           <a:bodyPr>
-            <a:normAutofit fontScale="62500" lnSpcReduction="20000"/>
+            <a:normAutofit fontScale="92500" lnSpcReduction="10000"/>
           </a:bodyPr>
           <a:lstStyle/>
           <a:p>
             <a:r>
-              <a:rPr lang="en-US" dirty="0"/>
-              <a:t>Add parameter in one deployment, remove in another</a:t>
-            </a:r>
-          </a:p>
-          <a:p>
-            <a:r>
-              <a:rPr lang="en-US" dirty="0"/>
+              <a:rPr lang="en-US" sz="2000" dirty="0"/>
+              <a:t>Add parameters in one deployment, remove in another</a:t>
+            </a:r>
+          </a:p>
+          <a:p>
+            <a:r>
+              <a:rPr lang="en-US" sz="2000" dirty="0"/>
               <a:t>Use defaults so old code works</a:t>
             </a:r>
           </a:p>
           <a:p>
             <a:pPr lvl="1"/>
             <a:r>
-              <a:rPr lang="en-US" dirty="0"/>
+              <a:rPr lang="en-US" sz="1600" dirty="0"/>
               <a:t>Prefer old</a:t>
             </a:r>
           </a:p>
           <a:p>
             <a:pPr lvl="1"/>
             <a:r>
-              <a:rPr lang="en-US" dirty="0"/>
+              <a:rPr lang="en-US" sz="1600" dirty="0"/>
               <a:t>Prefer new</a:t>
             </a:r>
           </a:p>
           <a:p>
             <a:pPr lvl="1"/>
             <a:r>
-              <a:rPr lang="en-US" dirty="0"/>
+              <a:rPr lang="en-US" sz="1600" dirty="0"/>
               <a:t>New only</a:t>
             </a:r>
           </a:p>
           <a:p>
             <a:r>
-              <a:rPr lang="en-US" dirty="0"/>
+              <a:rPr lang="en-US" sz="2000" dirty="0"/>
               <a:t>Verify logical functionality with/without default parameter</a:t>
             </a:r>
           </a:p>
           <a:p>
             <a:pPr lvl="1"/>
             <a:r>
-              <a:rPr lang="en-US" dirty="0"/>
+              <a:rPr lang="en-US" sz="1600" dirty="0"/>
               <a:t>Without, must return same results are before the deployment</a:t>
             </a:r>
           </a:p>
           <a:p>
             <a:pPr lvl="1"/>
             <a:r>
-              <a:rPr lang="en-US" dirty="0"/>
+              <a:rPr lang="en-US" sz="1600" dirty="0"/>
               <a:t>Use switching logic inside if necessary</a:t>
             </a:r>
           </a:p>
           <a:p>
-            <a:r>
-              <a:rPr lang="en-US" dirty="0"/>
+            <a:pPr lvl="1"/>
+            <a:r>
+              <a:rPr lang="en-US" sz="1600" dirty="0"/>
+              <a:t>Write tests!!!!</a:t>
+            </a:r>
+          </a:p>
+          <a:p>
+            <a:r>
+              <a:rPr lang="en-US" sz="2000" dirty="0"/>
               <a:t>Log the calls without a parameter somewhere</a:t>
             </a:r>
           </a:p>
           <a:p>
             <a:pPr lvl="1"/>
             <a:r>
-              <a:rPr lang="en-US" dirty="0"/>
+              <a:rPr lang="en-US" sz="1600" dirty="0"/>
               <a:t>This helps to determine when all clients have </a:t>
             </a:r>
             <a:r>
-              <a:rPr lang="en-US" dirty="0" err="1"/>
+              <a:rPr lang="en-US" sz="1600" dirty="0" err="1"/>
               <a:t>rev’d</a:t>
             </a:r>
             <a:r>
-              <a:rPr lang="en-US" dirty="0"/>
+              <a:rPr lang="en-US" sz="1600" dirty="0"/>
               <a:t>.</a:t>
             </a:r>
           </a:p>
           <a:p>
             <a:pPr lvl="1"/>
             <a:r>
-              <a:rPr lang="en-US" dirty="0"/>
+              <a:rPr lang="en-US" sz="1600" dirty="0"/>
               <a:t>Provide feedback to app teams</a:t>
             </a:r>
           </a:p>
@@ -21395,6 +21717,13 @@
             </a:r>
           </a:p>
           <a:p>
+            <a:pPr lvl="1"/>
+            <a:r>
+              <a:rPr lang="en-US" dirty="0"/>
+              <a:t>Or use named parameters in calls</a:t>
+            </a:r>
+          </a:p>
+          <a:p>
             <a:r>
               <a:rPr lang="en-US" dirty="0"/>
               <a:t>No SELECT *</a:t>
@@ -21473,7 +21802,7 @@
         <p:spPr/>
         <p:txBody>
           <a:bodyPr>
-            <a:normAutofit fontScale="77500" lnSpcReduction="20000"/>
+            <a:normAutofit fontScale="70000" lnSpcReduction="20000"/>
           </a:bodyPr>
           <a:lstStyle/>
           <a:p>
@@ -21518,6 +21847,12 @@
             <a:r>
               <a:rPr lang="en-US" dirty="0"/>
               <a:t>Removal is a separate deployment</a:t>
+            </a:r>
+          </a:p>
+          <a:p>
+            <a:r>
+              <a:rPr lang="en-US" dirty="0"/>
+              <a:t>Use parameter names in calls</a:t>
             </a:r>
           </a:p>
           <a:p>
@@ -21631,7 +21966,15 @@
             <a:pPr lvl="1"/>
             <a:r>
               <a:rPr lang="en-US" dirty="0"/>
-              <a:t>Make a separate PR with a FUTURE DATE for deployment</a:t>
+              <a:t>Make a </a:t>
+            </a:r>
+            <a:r>
+              <a:rPr lang="en-US"/>
+              <a:t>separate branch/PR </a:t>
+            </a:r>
+            <a:r>
+              <a:rPr lang="en-US" dirty="0"/>
+              <a:t>with a FUTURE DATE for deployment</a:t>
             </a:r>
           </a:p>
         </p:txBody>
@@ -23579,7 +23922,7 @@
             <a:pPr lvl="1"/>
             <a:r>
               <a:rPr lang="en-US" dirty="0"/>
-              <a:t>Unavailable resources</a:t>
+              <a:t>Unavailable resources (CPU, schema, etc.)</a:t>
             </a:r>
           </a:p>
           <a:p>
@@ -24000,9 +24343,6 @@
           <a:lstStyle/>
           <a:p>
             <a:pPr marL="685800" lvl="1" indent="-342900">
-              <a:lnSpc>
-                <a:spcPct val="150000"/>
-              </a:lnSpc>
               <a:buFont typeface="Courier New" panose="02070309020205020404" pitchFamily="49" charset="0"/>
               <a:buChar char="o"/>
             </a:pPr>
@@ -24020,15 +24360,12 @@
             </a:r>
           </a:p>
           <a:p>
-            <a:pPr marL="685800" lvl="1" indent="-342900">
-              <a:lnSpc>
-                <a:spcPct val="150000"/>
-              </a:lnSpc>
+            <a:pPr marL="1085850" lvl="2" indent="-342900">
               <a:buFont typeface="Courier New" panose="02070309020205020404" pitchFamily="49" charset="0"/>
               <a:buChar char="o"/>
             </a:pPr>
             <a:r>
-              <a:rPr lang="en-US" sz="2400" i="0" dirty="0">
+              <a:rPr lang="en-US" sz="2000" i="0" dirty="0">
                 <a:solidFill>
                   <a:srgbClr val="444444"/>
                 </a:solidFill>
@@ -24036,9 +24373,9 @@
                 <a:ea typeface="Roboto Regular" panose="020B0604020202020204" charset="0"/>
                 <a:cs typeface="Roboto Regular" panose="020B0604020202020204" charset="0"/>
               </a:rPr>
-              <a:t>“Baby steps”: If a change is backward-incompatible, split it into multiple backward-compatible steps.</a:t>
-            </a:r>
-            <a:endParaRPr lang="en-GB" sz="2400" dirty="0">
+              <a:t>“Baby steps”: If a change is backward-incompatible, split it</a:t>
+            </a:r>
+            <a:endParaRPr lang="en-GB" sz="2000" dirty="0">
               <a:solidFill>
                 <a:schemeClr val="bg2">
                   <a:lumMod val="10000"/>
@@ -24050,9 +24387,6 @@
           </a:p>
           <a:p>
             <a:pPr marL="685800" lvl="1" indent="-342900">
-              <a:lnSpc>
-                <a:spcPct val="150000"/>
-              </a:lnSpc>
               <a:buFont typeface="Courier New" panose="02070309020205020404" pitchFamily="49" charset="0"/>
               <a:buChar char="o"/>
             </a:pPr>
@@ -24071,9 +24405,6 @@
           </a:p>
           <a:p>
             <a:pPr marL="685800" lvl="1" indent="-342900">
-              <a:lnSpc>
-                <a:spcPct val="150000"/>
-              </a:lnSpc>
               <a:buFont typeface="Courier New" panose="02070309020205020404" pitchFamily="49" charset="0"/>
               <a:buChar char="o"/>
             </a:pPr>
@@ -24092,14 +24423,11 @@
           </a:p>
           <a:p>
             <a:pPr marL="1085850" lvl="2" indent="-342900">
-              <a:lnSpc>
-                <a:spcPct val="150000"/>
-              </a:lnSpc>
               <a:buFont typeface="Courier New" panose="02070309020205020404" pitchFamily="49" charset="0"/>
               <a:buChar char="o"/>
             </a:pPr>
             <a:r>
-              <a:rPr lang="en-GB" sz="1800" dirty="0">
+              <a:rPr lang="en-GB" sz="2000" dirty="0">
                 <a:solidFill>
                   <a:schemeClr val="bg2">
                     <a:lumMod val="10000"/>
@@ -24109,6 +24437,96 @@
                 <a:cs typeface="Roboto Regular" panose="02000000000000000000" pitchFamily="2" charset="0"/>
               </a:rPr>
               <a:t>for the same object/structure</a:t>
+            </a:r>
+          </a:p>
+          <a:p>
+            <a:pPr marL="685800" lvl="1" indent="-342900">
+              <a:buFont typeface="Courier New" panose="02070309020205020404" pitchFamily="49" charset="0"/>
+              <a:buChar char="o"/>
+            </a:pPr>
+            <a:r>
+              <a:rPr lang="en-GB" sz="2400" dirty="0">
+                <a:solidFill>
+                  <a:schemeClr val="bg2">
+                    <a:lumMod val="10000"/>
+                  </a:schemeClr>
+                </a:solidFill>
+                <a:ea typeface="Roboto Regular" panose="02000000000000000000" pitchFamily="2" charset="0"/>
+                <a:cs typeface="Roboto Regular" panose="02000000000000000000" pitchFamily="2" charset="0"/>
+              </a:rPr>
+              <a:t>Be prepared to deploy:</a:t>
+            </a:r>
+          </a:p>
+          <a:p>
+            <a:pPr marL="1085850" lvl="2" indent="-342900">
+              <a:buFont typeface="Courier New" panose="02070309020205020404" pitchFamily="49" charset="0"/>
+              <a:buChar char="o"/>
+            </a:pPr>
+            <a:r>
+              <a:rPr lang="en-GB" sz="1800" dirty="0">
+                <a:solidFill>
+                  <a:schemeClr val="bg2">
+                    <a:lumMod val="10000"/>
+                  </a:schemeClr>
+                </a:solidFill>
+                <a:ea typeface="Roboto Regular" panose="02000000000000000000" pitchFamily="2" charset="0"/>
+                <a:cs typeface="Roboto Regular" panose="02000000000000000000" pitchFamily="2" charset="0"/>
+              </a:rPr>
+              <a:t>Database</a:t>
+            </a:r>
+          </a:p>
+          <a:p>
+            <a:pPr marL="1085850" lvl="2" indent="-342900">
+              <a:buFont typeface="Courier New" panose="02070309020205020404" pitchFamily="49" charset="0"/>
+              <a:buChar char="o"/>
+            </a:pPr>
+            <a:r>
+              <a:rPr lang="en-GB" sz="1800" dirty="0">
+                <a:solidFill>
+                  <a:schemeClr val="bg2">
+                    <a:lumMod val="10000"/>
+                  </a:schemeClr>
+                </a:solidFill>
+                <a:ea typeface="Roboto Regular" panose="02000000000000000000" pitchFamily="2" charset="0"/>
+                <a:cs typeface="Roboto Regular" panose="02000000000000000000" pitchFamily="2" charset="0"/>
+              </a:rPr>
+              <a:t>App</a:t>
+            </a:r>
+          </a:p>
+          <a:p>
+            <a:pPr marL="1085850" lvl="2" indent="-342900">
+              <a:buFont typeface="Courier New" panose="02070309020205020404" pitchFamily="49" charset="0"/>
+              <a:buChar char="o"/>
+            </a:pPr>
+            <a:r>
+              <a:rPr lang="en-GB" sz="1800" dirty="0">
+                <a:solidFill>
+                  <a:schemeClr val="bg2">
+                    <a:lumMod val="10000"/>
+                  </a:schemeClr>
+                </a:solidFill>
+                <a:ea typeface="Roboto Regular" panose="02000000000000000000" pitchFamily="2" charset="0"/>
+                <a:cs typeface="Roboto Regular" panose="02000000000000000000" pitchFamily="2" charset="0"/>
+              </a:rPr>
+              <a:t>Database</a:t>
+            </a:r>
+          </a:p>
+          <a:p>
+            <a:pPr marL="1085850" lvl="2" indent="-342900">
+              <a:buFont typeface="Courier New" panose="02070309020205020404" pitchFamily="49" charset="0"/>
+              <a:buChar char="o"/>
+            </a:pPr>
+            <a:r>
+              <a:rPr lang="en-GB" sz="1800" dirty="0">
+                <a:solidFill>
+                  <a:schemeClr val="bg2">
+                    <a:lumMod val="10000"/>
+                  </a:schemeClr>
+                </a:solidFill>
+                <a:ea typeface="Roboto Regular" panose="02000000000000000000" pitchFamily="2" charset="0"/>
+                <a:cs typeface="Roboto Regular" panose="02000000000000000000" pitchFamily="2" charset="0"/>
+              </a:rPr>
+              <a:t>App</a:t>
             </a:r>
           </a:p>
         </p:txBody>
